--- a/DOCS/Веб-платформа управления изменениями/Web-platform.pptx
+++ b/DOCS/Веб-платформа управления изменениями/Web-platform.pptx
@@ -6,14 +6,15 @@
   </p:sldMasterIdLst>
   <p:sldIdLst>
     <p:sldId id="257" r:id="rId2"/>
-    <p:sldId id="259" r:id="rId3"/>
-    <p:sldId id="258" r:id="rId4"/>
-    <p:sldId id="265" r:id="rId5"/>
+    <p:sldId id="267" r:id="rId3"/>
+    <p:sldId id="259" r:id="rId4"/>
+    <p:sldId id="258" r:id="rId5"/>
     <p:sldId id="266" r:id="rId6"/>
-    <p:sldId id="260" r:id="rId7"/>
-    <p:sldId id="263" r:id="rId8"/>
-    <p:sldId id="262" r:id="rId9"/>
-    <p:sldId id="264" r:id="rId10"/>
+    <p:sldId id="265" r:id="rId7"/>
+    <p:sldId id="260" r:id="rId8"/>
+    <p:sldId id="263" r:id="rId9"/>
+    <p:sldId id="262" r:id="rId10"/>
+    <p:sldId id="264" r:id="rId11"/>
   </p:sldIdLst>
   <p:sldSz cx="12192000" cy="6858000"/>
   <p:notesSz cx="6858000" cy="9144000"/>
@@ -291,7 +292,7 @@
           <a:p>
             <a:fld id="{3A27FCA8-1CBD-4994-97A4-64996EE40327}" type="datetimeFigureOut">
               <a:rPr lang="ru-RU" smtClean="0"/>
-              <a:t>пт 13.08.21</a:t>
+              <a:t>пн 16.08.21</a:t>
             </a:fld>
             <a:endParaRPr lang="ru-RU" dirty="0"/>
           </a:p>
@@ -606,7 +607,7 @@
           <a:p>
             <a:fld id="{3A27FCA8-1CBD-4994-97A4-64996EE40327}" type="datetimeFigureOut">
               <a:rPr lang="ru-RU" smtClean="0"/>
-              <a:t>пт 13.08.21</a:t>
+              <a:t>пн 16.08.21</a:t>
             </a:fld>
             <a:endParaRPr lang="ru-RU" dirty="0"/>
           </a:p>
@@ -828,7 +829,7 @@
           <a:p>
             <a:fld id="{3A27FCA8-1CBD-4994-97A4-64996EE40327}" type="datetimeFigureOut">
               <a:rPr lang="ru-RU" smtClean="0"/>
-              <a:t>пт 13.08.21</a:t>
+              <a:t>пн 16.08.21</a:t>
             </a:fld>
             <a:endParaRPr lang="ru-RU" dirty="0"/>
           </a:p>
@@ -1119,7 +1120,7 @@
           <a:p>
             <a:fld id="{3A27FCA8-1CBD-4994-97A4-64996EE40327}" type="datetimeFigureOut">
               <a:rPr lang="ru-RU" smtClean="0"/>
-              <a:t>пт 13.08.21</a:t>
+              <a:t>пн 16.08.21</a:t>
             </a:fld>
             <a:endParaRPr lang="ru-RU" dirty="0"/>
           </a:p>
@@ -1573,7 +1574,7 @@
           <a:p>
             <a:fld id="{3A27FCA8-1CBD-4994-97A4-64996EE40327}" type="datetimeFigureOut">
               <a:rPr lang="ru-RU" smtClean="0"/>
-              <a:t>пт 13.08.21</a:t>
+              <a:t>пн 16.08.21</a:t>
             </a:fld>
             <a:endParaRPr lang="ru-RU" dirty="0"/>
           </a:p>
@@ -2149,7 +2150,7 @@
           <a:p>
             <a:fld id="{3A27FCA8-1CBD-4994-97A4-64996EE40327}" type="datetimeFigureOut">
               <a:rPr lang="ru-RU" smtClean="0"/>
-              <a:t>пт 13.08.21</a:t>
+              <a:t>пн 16.08.21</a:t>
             </a:fld>
             <a:endParaRPr lang="ru-RU" dirty="0"/>
           </a:p>
@@ -3010,7 +3011,7 @@
           <a:p>
             <a:fld id="{3A27FCA8-1CBD-4994-97A4-64996EE40327}" type="datetimeFigureOut">
               <a:rPr lang="ru-RU" smtClean="0"/>
-              <a:t>пт 13.08.21</a:t>
+              <a:t>пн 16.08.21</a:t>
             </a:fld>
             <a:endParaRPr lang="ru-RU" dirty="0"/>
           </a:p>
@@ -3215,7 +3216,7 @@
           <a:p>
             <a:fld id="{3A27FCA8-1CBD-4994-97A4-64996EE40327}" type="datetimeFigureOut">
               <a:rPr lang="ru-RU" smtClean="0"/>
-              <a:t>пт 13.08.21</a:t>
+              <a:t>пн 16.08.21</a:t>
             </a:fld>
             <a:endParaRPr lang="ru-RU" dirty="0"/>
           </a:p>
@@ -3429,7 +3430,7 @@
           <a:p>
             <a:fld id="{3A27FCA8-1CBD-4994-97A4-64996EE40327}" type="datetimeFigureOut">
               <a:rPr lang="ru-RU" smtClean="0"/>
-              <a:t>пт 13.08.21</a:t>
+              <a:t>пн 16.08.21</a:t>
             </a:fld>
             <a:endParaRPr lang="ru-RU" dirty="0"/>
           </a:p>
@@ -3599,7 +3600,7 @@
           <a:p>
             <a:fld id="{3A27FCA8-1CBD-4994-97A4-64996EE40327}" type="datetimeFigureOut">
               <a:rPr lang="ru-RU" smtClean="0"/>
-              <a:t>пт 13.08.21</a:t>
+              <a:t>пн 16.08.21</a:t>
             </a:fld>
             <a:endParaRPr lang="ru-RU" dirty="0"/>
           </a:p>
@@ -3804,7 +3805,7 @@
           <a:p>
             <a:fld id="{3A27FCA8-1CBD-4994-97A4-64996EE40327}" type="datetimeFigureOut">
               <a:rPr lang="ru-RU" smtClean="0"/>
-              <a:t>пт 13.08.21</a:t>
+              <a:t>пн 16.08.21</a:t>
             </a:fld>
             <a:endParaRPr lang="ru-RU" dirty="0"/>
           </a:p>
@@ -4084,7 +4085,7 @@
           <a:p>
             <a:fld id="{3A27FCA8-1CBD-4994-97A4-64996EE40327}" type="datetimeFigureOut">
               <a:rPr lang="ru-RU" smtClean="0"/>
-              <a:t>пт 13.08.21</a:t>
+              <a:t>пн 16.08.21</a:t>
             </a:fld>
             <a:endParaRPr lang="ru-RU" dirty="0"/>
           </a:p>
@@ -4351,7 +4352,7 @@
           <a:p>
             <a:fld id="{3A27FCA8-1CBD-4994-97A4-64996EE40327}" type="datetimeFigureOut">
               <a:rPr lang="ru-RU" smtClean="0"/>
-              <a:t>пт 13.08.21</a:t>
+              <a:t>пн 16.08.21</a:t>
             </a:fld>
             <a:endParaRPr lang="ru-RU" dirty="0"/>
           </a:p>
@@ -4766,7 +4767,7 @@
           <a:p>
             <a:fld id="{3A27FCA8-1CBD-4994-97A4-64996EE40327}" type="datetimeFigureOut">
               <a:rPr lang="ru-RU" smtClean="0"/>
-              <a:t>пт 13.08.21</a:t>
+              <a:t>пн 16.08.21</a:t>
             </a:fld>
             <a:endParaRPr lang="ru-RU" dirty="0"/>
           </a:p>
@@ -4914,7 +4915,7 @@
           <a:p>
             <a:fld id="{3A27FCA8-1CBD-4994-97A4-64996EE40327}" type="datetimeFigureOut">
               <a:rPr lang="ru-RU" smtClean="0"/>
-              <a:t>пт 13.08.21</a:t>
+              <a:t>пн 16.08.21</a:t>
             </a:fld>
             <a:endParaRPr lang="ru-RU" dirty="0"/>
           </a:p>
@@ -5039,7 +5040,7 @@
           <a:p>
             <a:fld id="{3A27FCA8-1CBD-4994-97A4-64996EE40327}" type="datetimeFigureOut">
               <a:rPr lang="ru-RU" smtClean="0"/>
-              <a:t>пт 13.08.21</a:t>
+              <a:t>пн 16.08.21</a:t>
             </a:fld>
             <a:endParaRPr lang="ru-RU" dirty="0"/>
           </a:p>
@@ -5318,7 +5319,7 @@
           <a:p>
             <a:fld id="{3A27FCA8-1CBD-4994-97A4-64996EE40327}" type="datetimeFigureOut">
               <a:rPr lang="ru-RU" smtClean="0"/>
-              <a:t>пт 13.08.21</a:t>
+              <a:t>пн 16.08.21</a:t>
             </a:fld>
             <a:endParaRPr lang="ru-RU" dirty="0"/>
           </a:p>
@@ -5633,7 +5634,7 @@
           <a:p>
             <a:fld id="{3A27FCA8-1CBD-4994-97A4-64996EE40327}" type="datetimeFigureOut">
               <a:rPr lang="ru-RU" smtClean="0"/>
-              <a:t>пт 13.08.21</a:t>
+              <a:t>пн 16.08.21</a:t>
             </a:fld>
             <a:endParaRPr lang="ru-RU" dirty="0"/>
           </a:p>
@@ -5886,7 +5887,7 @@
           <a:p>
             <a:fld id="{3A27FCA8-1CBD-4994-97A4-64996EE40327}" type="datetimeFigureOut">
               <a:rPr lang="ru-RU" smtClean="0"/>
-              <a:t>пт 13.08.21</a:t>
+              <a:t>пн 16.08.21</a:t>
             </a:fld>
             <a:endParaRPr lang="ru-RU" dirty="0"/>
           </a:p>
@@ -6958,7 +6959,2370 @@
 </p:sld>
 </file>
 
+<file path=ppt/slides/slide10.xml><?xml version="1.0" encoding="utf-8"?>
+<p:sld xmlns:a="http://schemas.openxmlformats.org/drawingml/2006/main" xmlns:r="http://schemas.openxmlformats.org/officeDocument/2006/relationships" xmlns:p="http://schemas.openxmlformats.org/presentationml/2006/main">
+  <p:cSld>
+    <p:bg>
+      <p:bgPr>
+        <a:solidFill>
+          <a:schemeClr val="accent2">
+            <a:lumMod val="60000"/>
+            <a:lumOff val="40000"/>
+          </a:schemeClr>
+        </a:solidFill>
+        <a:effectLst/>
+      </p:bgPr>
+    </p:bg>
+    <p:spTree>
+      <p:nvGrpSpPr>
+        <p:cNvPr id="1" name=""/>
+        <p:cNvGrpSpPr/>
+        <p:nvPr/>
+      </p:nvGrpSpPr>
+      <p:grpSpPr>
+        <a:xfrm>
+          <a:off x="0" y="0"/>
+          <a:ext cx="0" cy="0"/>
+          <a:chOff x="0" y="0"/>
+          <a:chExt cx="0" cy="0"/>
+        </a:xfrm>
+      </p:grpSpPr>
+      <p:sp>
+        <p:nvSpPr>
+          <p:cNvPr id="3" name="Прямоугольник: загнутый угол 2">
+            <a:extLst>
+              <a:ext uri="{FF2B5EF4-FFF2-40B4-BE49-F238E27FC236}">
+                <a16:creationId xmlns:a16="http://schemas.microsoft.com/office/drawing/2014/main" id="{8C77E882-0D7A-40AC-AF45-494A222A425F}"/>
+              </a:ext>
+            </a:extLst>
+          </p:cNvPr>
+          <p:cNvSpPr/>
+          <p:nvPr/>
+        </p:nvSpPr>
+        <p:spPr>
+          <a:xfrm>
+            <a:off x="2676088" y="134223"/>
+            <a:ext cx="5662569" cy="1224793"/>
+          </a:xfrm>
+          <a:prstGeom prst="foldedCorner">
+            <a:avLst/>
+          </a:prstGeom>
+        </p:spPr>
+        <p:style>
+          <a:lnRef idx="1">
+            <a:schemeClr val="accent2"/>
+          </a:lnRef>
+          <a:fillRef idx="2">
+            <a:schemeClr val="accent2"/>
+          </a:fillRef>
+          <a:effectRef idx="1">
+            <a:schemeClr val="accent2"/>
+          </a:effectRef>
+          <a:fontRef idx="minor">
+            <a:schemeClr val="dk1"/>
+          </a:fontRef>
+        </p:style>
+        <p:txBody>
+          <a:bodyPr rtlCol="0" anchor="ctr"/>
+          <a:lstStyle/>
+          <a:p>
+            <a:pPr algn="ctr"/>
+            <a:r>
+              <a:rPr lang="ru-RU" sz="2800" b="1" kern="1100" dirty="0">
+                <a:effectLst>
+                  <a:outerShdw blurRad="38100" dist="38100" dir="2700000" algn="tl">
+                    <a:srgbClr val="000000">
+                      <a:alpha val="43137"/>
+                    </a:srgbClr>
+                  </a:outerShdw>
+                </a:effectLst>
+                <a:latin typeface="Times New Roman" panose="02020603050405020304" pitchFamily="18" charset="0"/>
+                <a:ea typeface="Times New Roman" panose="02020603050405020304" pitchFamily="18" charset="0"/>
+              </a:rPr>
+              <a:t>Параметры выполнения проекта</a:t>
+            </a:r>
+            <a:r>
+              <a:rPr lang="en-US" sz="2800" b="1" kern="1100" dirty="0">
+                <a:effectLst>
+                  <a:outerShdw blurRad="38100" dist="38100" dir="2700000" algn="tl">
+                    <a:srgbClr val="000000">
+                      <a:alpha val="43137"/>
+                    </a:srgbClr>
+                  </a:outerShdw>
+                </a:effectLst>
+                <a:latin typeface="Times New Roman" panose="02020603050405020304" pitchFamily="18" charset="0"/>
+                <a:ea typeface="Times New Roman" panose="02020603050405020304" pitchFamily="18" charset="0"/>
+              </a:rPr>
+              <a:t>:</a:t>
+            </a:r>
+            <a:endParaRPr lang="ru-RU" sz="2800" dirty="0">
+              <a:effectLst>
+                <a:outerShdw blurRad="38100" dist="38100" dir="2700000" algn="tl">
+                  <a:srgbClr val="000000">
+                    <a:alpha val="43137"/>
+                  </a:srgbClr>
+                </a:outerShdw>
+              </a:effectLst>
+            </a:endParaRPr>
+          </a:p>
+        </p:txBody>
+      </p:sp>
+      <p:graphicFrame>
+        <p:nvGraphicFramePr>
+          <p:cNvPr id="4" name="Таблица 3">
+            <a:extLst>
+              <a:ext uri="{FF2B5EF4-FFF2-40B4-BE49-F238E27FC236}">
+                <a16:creationId xmlns:a16="http://schemas.microsoft.com/office/drawing/2014/main" id="{7E1FB848-B49A-4B8F-B4EA-367E31D2ECE3}"/>
+              </a:ext>
+            </a:extLst>
+          </p:cNvPr>
+          <p:cNvGraphicFramePr>
+            <a:graphicFrameLocks noGrp="1"/>
+          </p:cNvGraphicFramePr>
+          <p:nvPr>
+            <p:extLst>
+              <p:ext uri="{D42A27DB-BD31-4B8C-83A1-F6EECF244321}">
+                <p14:modId xmlns:p14="http://schemas.microsoft.com/office/powerpoint/2010/main" val="690107687"/>
+              </p:ext>
+            </p:extLst>
+          </p:nvPr>
+        </p:nvGraphicFramePr>
+        <p:xfrm>
+          <a:off x="645951" y="1661020"/>
+          <a:ext cx="9253057" cy="2475726"/>
+        </p:xfrm>
+        <a:graphic>
+          <a:graphicData uri="http://schemas.openxmlformats.org/drawingml/2006/table">
+            <a:tbl>
+              <a:tblPr firstRow="1" firstCol="1" bandRow="1">
+                <a:tableStyleId>{74C1A8A3-306A-4EB7-A6B1-4F7E0EB9C5D6}</a:tableStyleId>
+              </a:tblPr>
+              <a:tblGrid>
+                <a:gridCol w="510033">
+                  <a:extLst>
+                    <a:ext uri="{9D8B030D-6E8A-4147-A177-3AD203B41FA5}">
+                      <a16:colId xmlns:a16="http://schemas.microsoft.com/office/drawing/2014/main" val="2769314563"/>
+                    </a:ext>
+                  </a:extLst>
+                </a:gridCol>
+                <a:gridCol w="4120691">
+                  <a:extLst>
+                    <a:ext uri="{9D8B030D-6E8A-4147-A177-3AD203B41FA5}">
+                      <a16:colId xmlns:a16="http://schemas.microsoft.com/office/drawing/2014/main" val="3655918092"/>
+                    </a:ext>
+                  </a:extLst>
+                </a:gridCol>
+                <a:gridCol w="4622333">
+                  <a:extLst>
+                    <a:ext uri="{9D8B030D-6E8A-4147-A177-3AD203B41FA5}">
+                      <a16:colId xmlns:a16="http://schemas.microsoft.com/office/drawing/2014/main" val="2422768876"/>
+                    </a:ext>
+                  </a:extLst>
+                </a:gridCol>
+              </a:tblGrid>
+              <a:tr h="381537">
+                <a:tc>
+                  <a:txBody>
+                    <a:bodyPr/>
+                    <a:lstStyle/>
+                    <a:p>
+                      <a:pPr>
+                        <a:spcAft>
+                          <a:spcPts val="0"/>
+                        </a:spcAft>
+                      </a:pPr>
+                      <a:r>
+                        <a:rPr lang="ru-RU" sz="2400" kern="1100" dirty="0">
+                          <a:effectLst/>
+                        </a:rPr>
+                        <a:t>№</a:t>
+                      </a:r>
+                      <a:endParaRPr lang="ru-RU" sz="2000" kern="1100" dirty="0">
+                        <a:effectLst/>
+                        <a:latin typeface="Arial Narrow" panose="020B0606020202030204" pitchFamily="34" charset="0"/>
+                        <a:ea typeface="Times New Roman" panose="02020603050405020304" pitchFamily="18" charset="0"/>
+                        <a:cs typeface="Times New Roman" panose="02020603050405020304" pitchFamily="18" charset="0"/>
+                      </a:endParaRPr>
+                    </a:p>
+                  </a:txBody>
+                  <a:tcPr marL="68580" marR="68580" marT="0" marB="0"/>
+                </a:tc>
+                <a:tc>
+                  <a:txBody>
+                    <a:bodyPr/>
+                    <a:lstStyle/>
+                    <a:p>
+                      <a:pPr>
+                        <a:spcAft>
+                          <a:spcPts val="0"/>
+                        </a:spcAft>
+                      </a:pPr>
+                      <a:r>
+                        <a:rPr lang="ru-RU" sz="2400" kern="1100" dirty="0">
+                          <a:effectLst/>
+                        </a:rPr>
+                        <a:t>Показатель</a:t>
+                      </a:r>
+                      <a:endParaRPr lang="ru-RU" sz="2000" kern="1100" dirty="0">
+                        <a:effectLst/>
+                        <a:latin typeface="Arial Narrow" panose="020B0606020202030204" pitchFamily="34" charset="0"/>
+                        <a:ea typeface="Times New Roman" panose="02020603050405020304" pitchFamily="18" charset="0"/>
+                        <a:cs typeface="Times New Roman" panose="02020603050405020304" pitchFamily="18" charset="0"/>
+                      </a:endParaRPr>
+                    </a:p>
+                  </a:txBody>
+                  <a:tcPr marL="68580" marR="68580" marT="0" marB="0"/>
+                </a:tc>
+                <a:tc>
+                  <a:txBody>
+                    <a:bodyPr/>
+                    <a:lstStyle/>
+                    <a:p>
+                      <a:pPr>
+                        <a:spcAft>
+                          <a:spcPts val="0"/>
+                        </a:spcAft>
+                      </a:pPr>
+                      <a:r>
+                        <a:rPr lang="ru-RU" sz="2400" kern="1100" dirty="0">
+                          <a:effectLst/>
+                        </a:rPr>
+                        <a:t>Значение</a:t>
+                      </a:r>
+                      <a:endParaRPr lang="ru-RU" sz="2000" kern="1100" dirty="0">
+                        <a:effectLst/>
+                        <a:latin typeface="Arial Narrow" panose="020B0606020202030204" pitchFamily="34" charset="0"/>
+                        <a:ea typeface="Times New Roman" panose="02020603050405020304" pitchFamily="18" charset="0"/>
+                        <a:cs typeface="Times New Roman" panose="02020603050405020304" pitchFamily="18" charset="0"/>
+                      </a:endParaRPr>
+                    </a:p>
+                  </a:txBody>
+                  <a:tcPr marL="68580" marR="68580" marT="0" marB="0"/>
+                </a:tc>
+                <a:extLst>
+                  <a:ext uri="{0D108BD9-81ED-4DB2-BD59-A6C34878D82A}">
+                    <a16:rowId xmlns:a16="http://schemas.microsoft.com/office/drawing/2014/main" val="927040273"/>
+                  </a:ext>
+                </a:extLst>
+              </a:tr>
+              <a:tr h="1673766">
+                <a:tc>
+                  <a:txBody>
+                    <a:bodyPr/>
+                    <a:lstStyle/>
+                    <a:p>
+                      <a:pPr>
+                        <a:spcAft>
+                          <a:spcPts val="0"/>
+                        </a:spcAft>
+                      </a:pPr>
+                      <a:r>
+                        <a:rPr lang="ru-RU" sz="2400" kern="1100">
+                          <a:effectLst/>
+                        </a:rPr>
+                        <a:t>1</a:t>
+                      </a:r>
+                      <a:endParaRPr lang="ru-RU" sz="2000" kern="1100">
+                        <a:effectLst/>
+                        <a:latin typeface="Arial Narrow" panose="020B0606020202030204" pitchFamily="34" charset="0"/>
+                        <a:ea typeface="Times New Roman" panose="02020603050405020304" pitchFamily="18" charset="0"/>
+                        <a:cs typeface="Times New Roman" panose="02020603050405020304" pitchFamily="18" charset="0"/>
+                      </a:endParaRPr>
+                    </a:p>
+                  </a:txBody>
+                  <a:tcPr marL="68580" marR="68580" marT="0" marB="0"/>
+                </a:tc>
+                <a:tc>
+                  <a:txBody>
+                    <a:bodyPr/>
+                    <a:lstStyle/>
+                    <a:p>
+                      <a:pPr>
+                        <a:spcAft>
+                          <a:spcPts val="0"/>
+                        </a:spcAft>
+                      </a:pPr>
+                      <a:r>
+                        <a:rPr lang="ru-RU" sz="2400" kern="1100" dirty="0">
+                          <a:effectLst/>
+                        </a:rPr>
+                        <a:t>Веб-платформа, введённая в эксплуатацию</a:t>
+                      </a:r>
+                      <a:endParaRPr lang="ru-RU" sz="2000" kern="1100" dirty="0">
+                        <a:effectLst/>
+                        <a:latin typeface="Arial Narrow" panose="020B0606020202030204" pitchFamily="34" charset="0"/>
+                        <a:ea typeface="Times New Roman" panose="02020603050405020304" pitchFamily="18" charset="0"/>
+                        <a:cs typeface="Times New Roman" panose="02020603050405020304" pitchFamily="18" charset="0"/>
+                      </a:endParaRPr>
+                    </a:p>
+                  </a:txBody>
+                  <a:tcPr marL="68580" marR="68580" marT="0" marB="0"/>
+                </a:tc>
+                <a:tc>
+                  <a:txBody>
+                    <a:bodyPr/>
+                    <a:lstStyle/>
+                    <a:p>
+                      <a:pPr>
+                        <a:spcAft>
+                          <a:spcPts val="0"/>
+                        </a:spcAft>
+                      </a:pPr>
+                      <a:r>
+                        <a:rPr lang="ru-RU" sz="2400" kern="1100" dirty="0">
+                          <a:effectLst/>
+                        </a:rPr>
+                        <a:t>Опубликованный веб-сайт, работающий согласно требованиям</a:t>
+                      </a:r>
+                      <a:endParaRPr lang="ru-RU" sz="2000" kern="1100" dirty="0">
+                        <a:effectLst/>
+                        <a:latin typeface="Arial Narrow" panose="020B0606020202030204" pitchFamily="34" charset="0"/>
+                        <a:ea typeface="Times New Roman" panose="02020603050405020304" pitchFamily="18" charset="0"/>
+                        <a:cs typeface="Times New Roman" panose="02020603050405020304" pitchFamily="18" charset="0"/>
+                      </a:endParaRPr>
+                    </a:p>
+                  </a:txBody>
+                  <a:tcPr marL="68580" marR="68580" marT="0" marB="0"/>
+                </a:tc>
+                <a:extLst>
+                  <a:ext uri="{0D108BD9-81ED-4DB2-BD59-A6C34878D82A}">
+                    <a16:rowId xmlns:a16="http://schemas.microsoft.com/office/drawing/2014/main" val="733783288"/>
+                  </a:ext>
+                </a:extLst>
+              </a:tr>
+              <a:tr h="420423">
+                <a:tc>
+                  <a:txBody>
+                    <a:bodyPr/>
+                    <a:lstStyle/>
+                    <a:p>
+                      <a:pPr>
+                        <a:spcAft>
+                          <a:spcPts val="0"/>
+                        </a:spcAft>
+                      </a:pPr>
+                      <a:r>
+                        <a:rPr lang="ru-RU" sz="2400" kern="1100">
+                          <a:effectLst/>
+                        </a:rPr>
+                        <a:t>2</a:t>
+                      </a:r>
+                      <a:endParaRPr lang="ru-RU" sz="2000" kern="1100">
+                        <a:effectLst/>
+                        <a:latin typeface="Arial Narrow" panose="020B0606020202030204" pitchFamily="34" charset="0"/>
+                        <a:ea typeface="Times New Roman" panose="02020603050405020304" pitchFamily="18" charset="0"/>
+                        <a:cs typeface="Times New Roman" panose="02020603050405020304" pitchFamily="18" charset="0"/>
+                      </a:endParaRPr>
+                    </a:p>
+                  </a:txBody>
+                  <a:tcPr marL="68580" marR="68580" marT="0" marB="0"/>
+                </a:tc>
+                <a:tc>
+                  <a:txBody>
+                    <a:bodyPr/>
+                    <a:lstStyle/>
+                    <a:p>
+                      <a:pPr>
+                        <a:spcAft>
+                          <a:spcPts val="0"/>
+                        </a:spcAft>
+                      </a:pPr>
+                      <a:r>
+                        <a:rPr lang="ru-RU" sz="2400" kern="1100">
+                          <a:effectLst/>
+                        </a:rPr>
+                        <a:t>Информационные результаты</a:t>
+                      </a:r>
+                      <a:endParaRPr lang="ru-RU" sz="2000" kern="1100">
+                        <a:effectLst/>
+                        <a:latin typeface="Arial Narrow" panose="020B0606020202030204" pitchFamily="34" charset="0"/>
+                        <a:ea typeface="Times New Roman" panose="02020603050405020304" pitchFamily="18" charset="0"/>
+                        <a:cs typeface="Times New Roman" panose="02020603050405020304" pitchFamily="18" charset="0"/>
+                      </a:endParaRPr>
+                    </a:p>
+                  </a:txBody>
+                  <a:tcPr marL="68580" marR="68580" marT="0" marB="0"/>
+                </a:tc>
+                <a:tc>
+                  <a:txBody>
+                    <a:bodyPr/>
+                    <a:lstStyle/>
+                    <a:p>
+                      <a:pPr>
+                        <a:spcAft>
+                          <a:spcPts val="0"/>
+                        </a:spcAft>
+                      </a:pPr>
+                      <a:r>
+                        <a:rPr lang="ru-RU" sz="2400" kern="1100" dirty="0">
+                          <a:effectLst/>
+                        </a:rPr>
+                        <a:t>Итоговый отчет</a:t>
+                      </a:r>
+                      <a:endParaRPr lang="ru-RU" sz="2000" kern="1100" dirty="0">
+                        <a:effectLst/>
+                        <a:latin typeface="Arial Narrow" panose="020B0606020202030204" pitchFamily="34" charset="0"/>
+                        <a:ea typeface="Times New Roman" panose="02020603050405020304" pitchFamily="18" charset="0"/>
+                        <a:cs typeface="Times New Roman" panose="02020603050405020304" pitchFamily="18" charset="0"/>
+                      </a:endParaRPr>
+                    </a:p>
+                  </a:txBody>
+                  <a:tcPr marL="68580" marR="68580" marT="0" marB="0"/>
+                </a:tc>
+                <a:extLst>
+                  <a:ext uri="{0D108BD9-81ED-4DB2-BD59-A6C34878D82A}">
+                    <a16:rowId xmlns:a16="http://schemas.microsoft.com/office/drawing/2014/main" val="984679845"/>
+                  </a:ext>
+                </a:extLst>
+              </a:tr>
+            </a:tbl>
+          </a:graphicData>
+        </a:graphic>
+      </p:graphicFrame>
+    </p:spTree>
+    <p:extLst>
+      <p:ext uri="{BB962C8B-B14F-4D97-AF65-F5344CB8AC3E}">
+        <p14:creationId xmlns:p14="http://schemas.microsoft.com/office/powerpoint/2010/main" val="1483413079"/>
+      </p:ext>
+    </p:extLst>
+  </p:cSld>
+  <p:clrMapOvr>
+    <a:masterClrMapping/>
+  </p:clrMapOvr>
+</p:sld>
+</file>
+
 <file path=ppt/slides/slide2.xml><?xml version="1.0" encoding="utf-8"?>
+<p:sld xmlns:a="http://schemas.openxmlformats.org/drawingml/2006/main" xmlns:r="http://schemas.openxmlformats.org/officeDocument/2006/relationships" xmlns:p="http://schemas.openxmlformats.org/presentationml/2006/main">
+  <p:cSld>
+    <p:bg>
+      <p:bgPr>
+        <a:solidFill>
+          <a:schemeClr val="accent2">
+            <a:lumMod val="60000"/>
+            <a:lumOff val="40000"/>
+          </a:schemeClr>
+        </a:solidFill>
+        <a:effectLst/>
+      </p:bgPr>
+    </p:bg>
+    <p:spTree>
+      <p:nvGrpSpPr>
+        <p:cNvPr id="1" name=""/>
+        <p:cNvGrpSpPr/>
+        <p:nvPr/>
+      </p:nvGrpSpPr>
+      <p:grpSpPr>
+        <a:xfrm>
+          <a:off x="0" y="0"/>
+          <a:ext cx="0" cy="0"/>
+          <a:chOff x="0" y="0"/>
+          <a:chExt cx="0" cy="0"/>
+        </a:xfrm>
+      </p:grpSpPr>
+      <p:graphicFrame>
+        <p:nvGraphicFramePr>
+          <p:cNvPr id="10" name="Таблица 9">
+            <a:extLst>
+              <a:ext uri="{FF2B5EF4-FFF2-40B4-BE49-F238E27FC236}">
+                <a16:creationId xmlns:a16="http://schemas.microsoft.com/office/drawing/2014/main" id="{7BD2F3C8-10DE-4F99-8B75-8B0AD2A2D05D}"/>
+              </a:ext>
+            </a:extLst>
+          </p:cNvPr>
+          <p:cNvGraphicFramePr>
+            <a:graphicFrameLocks noGrp="1"/>
+          </p:cNvGraphicFramePr>
+          <p:nvPr>
+            <p:extLst>
+              <p:ext uri="{D42A27DB-BD31-4B8C-83A1-F6EECF244321}">
+                <p14:modId xmlns:p14="http://schemas.microsoft.com/office/powerpoint/2010/main" val="3408192983"/>
+              </p:ext>
+            </p:extLst>
+          </p:nvPr>
+        </p:nvGraphicFramePr>
+        <p:xfrm>
+          <a:off x="216104" y="137632"/>
+          <a:ext cx="11771765" cy="2298556"/>
+        </p:xfrm>
+        <a:graphic>
+          <a:graphicData uri="http://schemas.openxmlformats.org/drawingml/2006/table">
+            <a:tbl>
+              <a:tblPr>
+                <a:tableStyleId>{8A107856-5554-42FB-B03E-39F5DBC370BA}</a:tableStyleId>
+              </a:tblPr>
+              <a:tblGrid>
+                <a:gridCol w="2257615">
+                  <a:extLst>
+                    <a:ext uri="{9D8B030D-6E8A-4147-A177-3AD203B41FA5}">
+                      <a16:colId xmlns:a16="http://schemas.microsoft.com/office/drawing/2014/main" val="2478972177"/>
+                    </a:ext>
+                  </a:extLst>
+                </a:gridCol>
+                <a:gridCol w="2296957">
+                  <a:extLst>
+                    <a:ext uri="{9D8B030D-6E8A-4147-A177-3AD203B41FA5}">
+                      <a16:colId xmlns:a16="http://schemas.microsoft.com/office/drawing/2014/main" val="4101836797"/>
+                    </a:ext>
+                  </a:extLst>
+                </a:gridCol>
+                <a:gridCol w="1804009">
+                  <a:extLst>
+                    <a:ext uri="{9D8B030D-6E8A-4147-A177-3AD203B41FA5}">
+                      <a16:colId xmlns:a16="http://schemas.microsoft.com/office/drawing/2014/main" val="2176882194"/>
+                    </a:ext>
+                  </a:extLst>
+                </a:gridCol>
+                <a:gridCol w="1804009">
+                  <a:extLst>
+                    <a:ext uri="{9D8B030D-6E8A-4147-A177-3AD203B41FA5}">
+                      <a16:colId xmlns:a16="http://schemas.microsoft.com/office/drawing/2014/main" val="3392120311"/>
+                    </a:ext>
+                  </a:extLst>
+                </a:gridCol>
+                <a:gridCol w="3609175">
+                  <a:extLst>
+                    <a:ext uri="{9D8B030D-6E8A-4147-A177-3AD203B41FA5}">
+                      <a16:colId xmlns:a16="http://schemas.microsoft.com/office/drawing/2014/main" val="590488284"/>
+                    </a:ext>
+                  </a:extLst>
+                </a:gridCol>
+              </a:tblGrid>
+              <a:tr h="465561">
+                <a:tc gridSpan="5">
+                  <a:txBody>
+                    <a:bodyPr/>
+                    <a:lstStyle/>
+                    <a:p>
+                      <a:pPr algn="ctr">
+                        <a:lnSpc>
+                          <a:spcPct val="115000"/>
+                        </a:lnSpc>
+                        <a:spcAft>
+                          <a:spcPts val="0"/>
+                        </a:spcAft>
+                      </a:pPr>
+                      <a:r>
+                        <a:rPr lang="ru-RU" sz="2000" dirty="0">
+                          <a:effectLst/>
+                        </a:rPr>
+                        <a:t>Общие сведения:</a:t>
+                      </a:r>
+                      <a:endParaRPr lang="ru-RU" sz="2000" b="1" dirty="0">
+                        <a:effectLst/>
+                        <a:latin typeface="Calibri" panose="020F0502020204030204" pitchFamily="34" charset="0"/>
+                        <a:ea typeface="Times New Roman" panose="02020603050405020304" pitchFamily="18" charset="0"/>
+                        <a:cs typeface="Arial" panose="020B0604020202020204" pitchFamily="34" charset="0"/>
+                      </a:endParaRPr>
+                    </a:p>
+                  </a:txBody>
+                  <a:tcPr marL="68580" marR="68580" marT="0" marB="0" anchor="ctr"/>
+                </a:tc>
+                <a:tc hMerge="1">
+                  <a:txBody>
+                    <a:bodyPr/>
+                    <a:lstStyle/>
+                    <a:p>
+                      <a:endParaRPr lang="ru-RU"/>
+                    </a:p>
+                  </a:txBody>
+                  <a:tcPr/>
+                </a:tc>
+                <a:tc hMerge="1">
+                  <a:txBody>
+                    <a:bodyPr/>
+                    <a:lstStyle/>
+                    <a:p>
+                      <a:endParaRPr lang="ru-RU"/>
+                    </a:p>
+                  </a:txBody>
+                  <a:tcPr/>
+                </a:tc>
+                <a:tc hMerge="1">
+                  <a:txBody>
+                    <a:bodyPr/>
+                    <a:lstStyle/>
+                    <a:p>
+                      <a:endParaRPr lang="ru-RU"/>
+                    </a:p>
+                  </a:txBody>
+                  <a:tcPr/>
+                </a:tc>
+                <a:tc hMerge="1">
+                  <a:txBody>
+                    <a:bodyPr/>
+                    <a:lstStyle/>
+                    <a:p>
+                      <a:endParaRPr lang="ru-RU"/>
+                    </a:p>
+                  </a:txBody>
+                  <a:tcPr/>
+                </a:tc>
+                <a:extLst>
+                  <a:ext uri="{0D108BD9-81ED-4DB2-BD59-A6C34878D82A}">
+                    <a16:rowId xmlns:a16="http://schemas.microsoft.com/office/drawing/2014/main" val="1175981606"/>
+                  </a:ext>
+                </a:extLst>
+              </a:tr>
+              <a:tr h="634758">
+                <a:tc>
+                  <a:txBody>
+                    <a:bodyPr/>
+                    <a:lstStyle/>
+                    <a:p>
+                      <a:pPr marL="43180">
+                        <a:lnSpc>
+                          <a:spcPct val="115000"/>
+                        </a:lnSpc>
+                        <a:spcAft>
+                          <a:spcPts val="0"/>
+                        </a:spcAft>
+                      </a:pPr>
+                      <a:r>
+                        <a:rPr lang="ru-RU" sz="2000">
+                          <a:effectLst/>
+                        </a:rPr>
+                        <a:t>Группа документов:</a:t>
+                      </a:r>
+                      <a:endParaRPr lang="ru-RU" sz="2000" b="1">
+                        <a:effectLst/>
+                        <a:latin typeface="Calibri" panose="020F0502020204030204" pitchFamily="34" charset="0"/>
+                        <a:ea typeface="Times New Roman" panose="02020603050405020304" pitchFamily="18" charset="0"/>
+                        <a:cs typeface="Arial" panose="020B0604020202020204" pitchFamily="34" charset="0"/>
+                      </a:endParaRPr>
+                    </a:p>
+                  </a:txBody>
+                  <a:tcPr marL="68580" marR="68580" marT="0" marB="0" anchor="ctr"/>
+                </a:tc>
+                <a:tc gridSpan="3">
+                  <a:txBody>
+                    <a:bodyPr/>
+                    <a:lstStyle/>
+                    <a:p>
+                      <a:pPr>
+                        <a:lnSpc>
+                          <a:spcPct val="115000"/>
+                        </a:lnSpc>
+                        <a:spcAft>
+                          <a:spcPts val="0"/>
+                        </a:spcAft>
+                      </a:pPr>
+                      <a:r>
+                        <a:rPr lang="ru-RU" sz="1400" dirty="0">
+                          <a:effectLst/>
+                        </a:rPr>
+                        <a:t>Служебные записки</a:t>
+                      </a:r>
+                      <a:endParaRPr lang="ru-RU" sz="1400" b="1" dirty="0">
+                        <a:effectLst/>
+                        <a:latin typeface="Arial" panose="020B0604020202020204" pitchFamily="34" charset="0"/>
+                        <a:ea typeface="SimSun" panose="02010600030101010101" pitchFamily="2" charset="-122"/>
+                        <a:cs typeface="Arial" panose="020B0604020202020204" pitchFamily="34" charset="0"/>
+                      </a:endParaRPr>
+                    </a:p>
+                  </a:txBody>
+                  <a:tcPr marL="68580" marR="68580" marT="0" marB="0" anchor="ctr"/>
+                </a:tc>
+                <a:tc hMerge="1">
+                  <a:txBody>
+                    <a:bodyPr/>
+                    <a:lstStyle/>
+                    <a:p>
+                      <a:endParaRPr lang="ru-RU"/>
+                    </a:p>
+                  </a:txBody>
+                  <a:tcPr/>
+                </a:tc>
+                <a:tc hMerge="1">
+                  <a:txBody>
+                    <a:bodyPr/>
+                    <a:lstStyle/>
+                    <a:p>
+                      <a:endParaRPr lang="ru-RU"/>
+                    </a:p>
+                  </a:txBody>
+                  <a:tcPr/>
+                </a:tc>
+                <a:tc>
+                  <a:txBody>
+                    <a:bodyPr/>
+                    <a:lstStyle/>
+                    <a:p>
+                      <a:pPr algn="r">
+                        <a:lnSpc>
+                          <a:spcPct val="115000"/>
+                        </a:lnSpc>
+                        <a:spcAft>
+                          <a:spcPts val="0"/>
+                        </a:spcAft>
+                      </a:pPr>
+                      <a:r>
+                        <a:rPr lang="ru-RU" sz="1400">
+                          <a:effectLst/>
+                        </a:rPr>
+                        <a:t>Статус: На утверждении</a:t>
+                      </a:r>
+                      <a:endParaRPr lang="ru-RU" sz="1400" b="1">
+                        <a:effectLst/>
+                        <a:latin typeface="Arial" panose="020B0604020202020204" pitchFamily="34" charset="0"/>
+                        <a:ea typeface="SimSun" panose="02010600030101010101" pitchFamily="2" charset="-122"/>
+                        <a:cs typeface="Arial" panose="020B0604020202020204" pitchFamily="34" charset="0"/>
+                      </a:endParaRPr>
+                    </a:p>
+                  </a:txBody>
+                  <a:tcPr marL="68580" marR="68580" marT="0" marB="0" anchor="ctr"/>
+                </a:tc>
+                <a:extLst>
+                  <a:ext uri="{0D108BD9-81ED-4DB2-BD59-A6C34878D82A}">
+                    <a16:rowId xmlns:a16="http://schemas.microsoft.com/office/drawing/2014/main" val="1886481454"/>
+                  </a:ext>
+                </a:extLst>
+              </a:tr>
+              <a:tr h="634758">
+                <a:tc>
+                  <a:txBody>
+                    <a:bodyPr/>
+                    <a:lstStyle/>
+                    <a:p>
+                      <a:pPr marL="43180">
+                        <a:lnSpc>
+                          <a:spcPct val="115000"/>
+                        </a:lnSpc>
+                        <a:spcAft>
+                          <a:spcPts val="0"/>
+                        </a:spcAft>
+                      </a:pPr>
+                      <a:r>
+                        <a:rPr lang="ru-RU" sz="2000">
+                          <a:effectLst/>
+                        </a:rPr>
+                        <a:t>Номер проекта:</a:t>
+                      </a:r>
+                      <a:endParaRPr lang="ru-RU" sz="2000" b="1">
+                        <a:effectLst/>
+                        <a:latin typeface="Calibri" panose="020F0502020204030204" pitchFamily="34" charset="0"/>
+                        <a:ea typeface="Times New Roman" panose="02020603050405020304" pitchFamily="18" charset="0"/>
+                        <a:cs typeface="Arial" panose="020B0604020202020204" pitchFamily="34" charset="0"/>
+                      </a:endParaRPr>
+                    </a:p>
+                  </a:txBody>
+                  <a:tcPr marL="68580" marR="68580" marT="0" marB="0" anchor="ctr"/>
+                </a:tc>
+                <a:tc>
+                  <a:txBody>
+                    <a:bodyPr/>
+                    <a:lstStyle/>
+                    <a:p>
+                      <a:pPr>
+                        <a:lnSpc>
+                          <a:spcPct val="115000"/>
+                        </a:lnSpc>
+                        <a:spcAft>
+                          <a:spcPts val="0"/>
+                        </a:spcAft>
+                      </a:pPr>
+                      <a:r>
+                        <a:rPr lang="ru-RU" sz="1400" dirty="0">
+                          <a:effectLst/>
+                        </a:rPr>
+                        <a:t>889</a:t>
+                      </a:r>
+                      <a:endParaRPr lang="ru-RU" sz="1400" b="1" dirty="0">
+                        <a:effectLst/>
+                        <a:latin typeface="Arial" panose="020B0604020202020204" pitchFamily="34" charset="0"/>
+                        <a:ea typeface="SimSun" panose="02010600030101010101" pitchFamily="2" charset="-122"/>
+                        <a:cs typeface="Arial" panose="020B0604020202020204" pitchFamily="34" charset="0"/>
+                      </a:endParaRPr>
+                    </a:p>
+                  </a:txBody>
+                  <a:tcPr marL="68580" marR="68580" marT="0" marB="0" anchor="ctr"/>
+                </a:tc>
+                <a:tc>
+                  <a:txBody>
+                    <a:bodyPr/>
+                    <a:lstStyle/>
+                    <a:p>
+                      <a:pPr marL="43180">
+                        <a:lnSpc>
+                          <a:spcPct val="115000"/>
+                        </a:lnSpc>
+                        <a:spcAft>
+                          <a:spcPts val="0"/>
+                        </a:spcAft>
+                      </a:pPr>
+                      <a:r>
+                        <a:rPr lang="ru-RU" sz="2000" dirty="0">
+                          <a:effectLst/>
+                        </a:rPr>
+                        <a:t>Дата проекта:</a:t>
+                      </a:r>
+                      <a:endParaRPr lang="ru-RU" sz="2000" b="1" dirty="0">
+                        <a:effectLst/>
+                        <a:latin typeface="Calibri" panose="020F0502020204030204" pitchFamily="34" charset="0"/>
+                        <a:ea typeface="Times New Roman" panose="02020603050405020304" pitchFamily="18" charset="0"/>
+                        <a:cs typeface="Arial" panose="020B0604020202020204" pitchFamily="34" charset="0"/>
+                      </a:endParaRPr>
+                    </a:p>
+                  </a:txBody>
+                  <a:tcPr marL="68580" marR="68580" marT="0" marB="0" anchor="ctr"/>
+                </a:tc>
+                <a:tc>
+                  <a:txBody>
+                    <a:bodyPr/>
+                    <a:lstStyle/>
+                    <a:p>
+                      <a:pPr>
+                        <a:lnSpc>
+                          <a:spcPct val="115000"/>
+                        </a:lnSpc>
+                        <a:spcAft>
+                          <a:spcPts val="0"/>
+                        </a:spcAft>
+                      </a:pPr>
+                      <a:r>
+                        <a:rPr lang="ru-RU" sz="1400">
+                          <a:effectLst/>
+                        </a:rPr>
+                        <a:t>15.02.2021</a:t>
+                      </a:r>
+                      <a:endParaRPr lang="ru-RU" sz="1400" b="1">
+                        <a:effectLst/>
+                        <a:latin typeface="Arial" panose="020B0604020202020204" pitchFamily="34" charset="0"/>
+                        <a:ea typeface="SimSun" panose="02010600030101010101" pitchFamily="2" charset="-122"/>
+                        <a:cs typeface="Arial" panose="020B0604020202020204" pitchFamily="34" charset="0"/>
+                      </a:endParaRPr>
+                    </a:p>
+                  </a:txBody>
+                  <a:tcPr marL="68580" marR="68580" marT="0" marB="0" anchor="ctr"/>
+                </a:tc>
+                <a:tc>
+                  <a:txBody>
+                    <a:bodyPr/>
+                    <a:lstStyle/>
+                    <a:p>
+                      <a:pPr algn="r">
+                        <a:lnSpc>
+                          <a:spcPct val="115000"/>
+                        </a:lnSpc>
+                        <a:spcAft>
+                          <a:spcPts val="0"/>
+                        </a:spcAft>
+                      </a:pPr>
+                      <a:r>
+                        <a:rPr lang="ru-RU" sz="1400">
+                          <a:effectLst/>
+                        </a:rPr>
+                        <a:t>Срочность: Нет</a:t>
+                      </a:r>
+                      <a:endParaRPr lang="ru-RU" sz="1400" b="1">
+                        <a:effectLst/>
+                        <a:latin typeface="Arial" panose="020B0604020202020204" pitchFamily="34" charset="0"/>
+                        <a:ea typeface="SimSun" panose="02010600030101010101" pitchFamily="2" charset="-122"/>
+                        <a:cs typeface="Arial" panose="020B0604020202020204" pitchFamily="34" charset="0"/>
+                      </a:endParaRPr>
+                    </a:p>
+                  </a:txBody>
+                  <a:tcPr marL="68580" marR="68580" marT="0" marB="0" anchor="ctr"/>
+                </a:tc>
+                <a:extLst>
+                  <a:ext uri="{0D108BD9-81ED-4DB2-BD59-A6C34878D82A}">
+                    <a16:rowId xmlns:a16="http://schemas.microsoft.com/office/drawing/2014/main" val="1639926644"/>
+                  </a:ext>
+                </a:extLst>
+              </a:tr>
+              <a:tr h="518152">
+                <a:tc>
+                  <a:txBody>
+                    <a:bodyPr/>
+                    <a:lstStyle/>
+                    <a:p>
+                      <a:pPr marL="43180">
+                        <a:lnSpc>
+                          <a:spcPct val="115000"/>
+                        </a:lnSpc>
+                        <a:spcAft>
+                          <a:spcPts val="0"/>
+                        </a:spcAft>
+                      </a:pPr>
+                      <a:r>
+                        <a:rPr lang="ru-RU" sz="2000">
+                          <a:effectLst/>
+                        </a:rPr>
+                        <a:t>Заголовок:</a:t>
+                      </a:r>
+                      <a:endParaRPr lang="ru-RU" sz="2000" b="1">
+                        <a:effectLst/>
+                        <a:latin typeface="Calibri" panose="020F0502020204030204" pitchFamily="34" charset="0"/>
+                        <a:ea typeface="Times New Roman" panose="02020603050405020304" pitchFamily="18" charset="0"/>
+                        <a:cs typeface="Arial" panose="020B0604020202020204" pitchFamily="34" charset="0"/>
+                      </a:endParaRPr>
+                    </a:p>
+                  </a:txBody>
+                  <a:tcPr marL="68580" marR="68580" marT="0" marB="0" anchor="ctr"/>
+                </a:tc>
+                <a:tc gridSpan="3">
+                  <a:txBody>
+                    <a:bodyPr/>
+                    <a:lstStyle/>
+                    <a:p>
+                      <a:pPr>
+                        <a:lnSpc>
+                          <a:spcPct val="115000"/>
+                        </a:lnSpc>
+                        <a:spcAft>
+                          <a:spcPts val="0"/>
+                        </a:spcAft>
+                      </a:pPr>
+                      <a:r>
+                        <a:rPr lang="ru-RU" sz="1400">
+                          <a:effectLst/>
+                        </a:rPr>
+                        <a:t>ПАСПОРТ ПРОЕКТА  «ВЕБ-ПЛАТФОРМА УПРАВЛЕНИЯ ИЗМЕНЕНИЯМИ»</a:t>
+                      </a:r>
+                      <a:endParaRPr lang="ru-RU" sz="1400" b="1">
+                        <a:effectLst/>
+                        <a:latin typeface="Arial" panose="020B0604020202020204" pitchFamily="34" charset="0"/>
+                        <a:ea typeface="SimSun" panose="02010600030101010101" pitchFamily="2" charset="-122"/>
+                        <a:cs typeface="Arial" panose="020B0604020202020204" pitchFamily="34" charset="0"/>
+                      </a:endParaRPr>
+                    </a:p>
+                  </a:txBody>
+                  <a:tcPr marL="68580" marR="68580" marT="0" marB="0" anchor="ctr"/>
+                </a:tc>
+                <a:tc hMerge="1">
+                  <a:txBody>
+                    <a:bodyPr/>
+                    <a:lstStyle/>
+                    <a:p>
+                      <a:endParaRPr lang="ru-RU"/>
+                    </a:p>
+                  </a:txBody>
+                  <a:tcPr/>
+                </a:tc>
+                <a:tc hMerge="1">
+                  <a:txBody>
+                    <a:bodyPr/>
+                    <a:lstStyle/>
+                    <a:p>
+                      <a:endParaRPr lang="ru-RU"/>
+                    </a:p>
+                  </a:txBody>
+                  <a:tcPr/>
+                </a:tc>
+                <a:tc>
+                  <a:txBody>
+                    <a:bodyPr/>
+                    <a:lstStyle/>
+                    <a:p>
+                      <a:pPr algn="r">
+                        <a:lnSpc>
+                          <a:spcPct val="115000"/>
+                        </a:lnSpc>
+                        <a:spcAft>
+                          <a:spcPts val="0"/>
+                        </a:spcAft>
+                      </a:pPr>
+                      <a:r>
+                        <a:rPr lang="ru-RU" sz="1400" dirty="0">
+                          <a:effectLst/>
+                        </a:rPr>
+                        <a:t>Дата исп. (план): </a:t>
+                      </a:r>
+                      <a:endParaRPr lang="ru-RU" sz="1400" b="1" dirty="0">
+                        <a:effectLst/>
+                        <a:latin typeface="Arial" panose="020B0604020202020204" pitchFamily="34" charset="0"/>
+                        <a:ea typeface="SimSun" panose="02010600030101010101" pitchFamily="2" charset="-122"/>
+                        <a:cs typeface="Arial" panose="020B0604020202020204" pitchFamily="34" charset="0"/>
+                      </a:endParaRPr>
+                    </a:p>
+                  </a:txBody>
+                  <a:tcPr marL="68580" marR="68580" marT="0" marB="0" anchor="ctr"/>
+                </a:tc>
+                <a:extLst>
+                  <a:ext uri="{0D108BD9-81ED-4DB2-BD59-A6C34878D82A}">
+                    <a16:rowId xmlns:a16="http://schemas.microsoft.com/office/drawing/2014/main" val="1979986226"/>
+                  </a:ext>
+                </a:extLst>
+              </a:tr>
+            </a:tbl>
+          </a:graphicData>
+        </a:graphic>
+      </p:graphicFrame>
+      <p:graphicFrame>
+        <p:nvGraphicFramePr>
+          <p:cNvPr id="11" name="Таблица 10">
+            <a:extLst>
+              <a:ext uri="{FF2B5EF4-FFF2-40B4-BE49-F238E27FC236}">
+                <a16:creationId xmlns:a16="http://schemas.microsoft.com/office/drawing/2014/main" id="{10800137-3585-4B4B-BF18-8CB2FE88349E}"/>
+              </a:ext>
+            </a:extLst>
+          </p:cNvPr>
+          <p:cNvGraphicFramePr>
+            <a:graphicFrameLocks noGrp="1"/>
+          </p:cNvGraphicFramePr>
+          <p:nvPr>
+            <p:extLst>
+              <p:ext uri="{D42A27DB-BD31-4B8C-83A1-F6EECF244321}">
+                <p14:modId xmlns:p14="http://schemas.microsoft.com/office/powerpoint/2010/main" val="2081927830"/>
+              </p:ext>
+            </p:extLst>
+          </p:nvPr>
+        </p:nvGraphicFramePr>
+        <p:xfrm>
+          <a:off x="216103" y="2511444"/>
+          <a:ext cx="11771765" cy="4082325"/>
+        </p:xfrm>
+        <a:graphic>
+          <a:graphicData uri="http://schemas.openxmlformats.org/drawingml/2006/table">
+            <a:tbl>
+              <a:tblPr firstRow="1" firstCol="1" bandRow="1">
+                <a:tableStyleId>{5C22544A-7EE6-4342-B048-85BDC9FD1C3A}</a:tableStyleId>
+              </a:tblPr>
+              <a:tblGrid>
+                <a:gridCol w="1437303">
+                  <a:extLst>
+                    <a:ext uri="{9D8B030D-6E8A-4147-A177-3AD203B41FA5}">
+                      <a16:colId xmlns:a16="http://schemas.microsoft.com/office/drawing/2014/main" val="3669092849"/>
+                    </a:ext>
+                  </a:extLst>
+                </a:gridCol>
+                <a:gridCol w="1963118">
+                  <a:extLst>
+                    <a:ext uri="{9D8B030D-6E8A-4147-A177-3AD203B41FA5}">
+                      <a16:colId xmlns:a16="http://schemas.microsoft.com/office/drawing/2014/main" val="1265142050"/>
+                    </a:ext>
+                  </a:extLst>
+                </a:gridCol>
+                <a:gridCol w="3282289">
+                  <a:extLst>
+                    <a:ext uri="{9D8B030D-6E8A-4147-A177-3AD203B41FA5}">
+                      <a16:colId xmlns:a16="http://schemas.microsoft.com/office/drawing/2014/main" val="3647107681"/>
+                    </a:ext>
+                  </a:extLst>
+                </a:gridCol>
+                <a:gridCol w="1806766">
+                  <a:extLst>
+                    <a:ext uri="{9D8B030D-6E8A-4147-A177-3AD203B41FA5}">
+                      <a16:colId xmlns:a16="http://schemas.microsoft.com/office/drawing/2014/main" val="945175509"/>
+                    </a:ext>
+                  </a:extLst>
+                </a:gridCol>
+                <a:gridCol w="3282289">
+                  <a:extLst>
+                    <a:ext uri="{9D8B030D-6E8A-4147-A177-3AD203B41FA5}">
+                      <a16:colId xmlns:a16="http://schemas.microsoft.com/office/drawing/2014/main" val="2726860491"/>
+                    </a:ext>
+                  </a:extLst>
+                </a:gridCol>
+              </a:tblGrid>
+              <a:tr h="248828">
+                <a:tc gridSpan="5">
+                  <a:txBody>
+                    <a:bodyPr/>
+                    <a:lstStyle/>
+                    <a:p>
+                      <a:pPr marL="128905" algn="ctr">
+                        <a:lnSpc>
+                          <a:spcPct val="115000"/>
+                        </a:lnSpc>
+                        <a:spcBef>
+                          <a:spcPts val="600"/>
+                        </a:spcBef>
+                        <a:spcAft>
+                          <a:spcPts val="600"/>
+                        </a:spcAft>
+                      </a:pPr>
+                      <a:r>
+                        <a:rPr lang="ru-RU" sz="1400">
+                          <a:effectLst/>
+                        </a:rPr>
+                        <a:t>Журнал согласования:</a:t>
+                      </a:r>
+                      <a:endParaRPr lang="ru-RU" sz="1400" b="1">
+                        <a:effectLst/>
+                        <a:latin typeface="Calibri" panose="020F0502020204030204" pitchFamily="34" charset="0"/>
+                        <a:ea typeface="Times New Roman" panose="02020603050405020304" pitchFamily="18" charset="0"/>
+                        <a:cs typeface="Arial" panose="020B0604020202020204" pitchFamily="34" charset="0"/>
+                      </a:endParaRPr>
+                    </a:p>
+                  </a:txBody>
+                  <a:tcPr marL="48490" marR="48490" marT="0" marB="0" anchor="ctr"/>
+                </a:tc>
+                <a:tc hMerge="1">
+                  <a:txBody>
+                    <a:bodyPr/>
+                    <a:lstStyle/>
+                    <a:p>
+                      <a:endParaRPr lang="ru-RU"/>
+                    </a:p>
+                  </a:txBody>
+                  <a:tcPr/>
+                </a:tc>
+                <a:tc hMerge="1">
+                  <a:txBody>
+                    <a:bodyPr/>
+                    <a:lstStyle/>
+                    <a:p>
+                      <a:endParaRPr lang="ru-RU"/>
+                    </a:p>
+                  </a:txBody>
+                  <a:tcPr/>
+                </a:tc>
+                <a:tc hMerge="1">
+                  <a:txBody>
+                    <a:bodyPr/>
+                    <a:lstStyle/>
+                    <a:p>
+                      <a:endParaRPr lang="ru-RU"/>
+                    </a:p>
+                  </a:txBody>
+                  <a:tcPr/>
+                </a:tc>
+                <a:tc hMerge="1">
+                  <a:txBody>
+                    <a:bodyPr/>
+                    <a:lstStyle/>
+                    <a:p>
+                      <a:endParaRPr lang="ru-RU"/>
+                    </a:p>
+                  </a:txBody>
+                  <a:tcPr/>
+                </a:tc>
+                <a:extLst>
+                  <a:ext uri="{0D108BD9-81ED-4DB2-BD59-A6C34878D82A}">
+                    <a16:rowId xmlns:a16="http://schemas.microsoft.com/office/drawing/2014/main" val="4180214494"/>
+                  </a:ext>
+                </a:extLst>
+              </a:tr>
+              <a:tr h="299934">
+                <a:tc>
+                  <a:txBody>
+                    <a:bodyPr/>
+                    <a:lstStyle/>
+                    <a:p>
+                      <a:pPr marL="128905" algn="ctr">
+                        <a:lnSpc>
+                          <a:spcPct val="115000"/>
+                        </a:lnSpc>
+                        <a:spcBef>
+                          <a:spcPts val="600"/>
+                        </a:spcBef>
+                        <a:spcAft>
+                          <a:spcPts val="600"/>
+                        </a:spcAft>
+                      </a:pPr>
+                      <a:r>
+                        <a:rPr lang="ru-RU" sz="1400">
+                          <a:effectLst/>
+                        </a:rPr>
+                        <a:t>Дата</a:t>
+                      </a:r>
+                      <a:endParaRPr lang="ru-RU" sz="1400" b="1">
+                        <a:effectLst/>
+                        <a:latin typeface="Calibri" panose="020F0502020204030204" pitchFamily="34" charset="0"/>
+                        <a:ea typeface="Times New Roman" panose="02020603050405020304" pitchFamily="18" charset="0"/>
+                        <a:cs typeface="Arial" panose="020B0604020202020204" pitchFamily="34" charset="0"/>
+                      </a:endParaRPr>
+                    </a:p>
+                  </a:txBody>
+                  <a:tcPr marL="48490" marR="48490" marT="0" marB="0" anchor="ctr"/>
+                </a:tc>
+                <a:tc>
+                  <a:txBody>
+                    <a:bodyPr/>
+                    <a:lstStyle/>
+                    <a:p>
+                      <a:pPr marL="128905" algn="ctr">
+                        <a:lnSpc>
+                          <a:spcPct val="115000"/>
+                        </a:lnSpc>
+                        <a:spcBef>
+                          <a:spcPts val="600"/>
+                        </a:spcBef>
+                        <a:spcAft>
+                          <a:spcPts val="600"/>
+                        </a:spcAft>
+                      </a:pPr>
+                      <a:r>
+                        <a:rPr lang="ru-RU" sz="1400">
+                          <a:effectLst/>
+                        </a:rPr>
+                        <a:t>Тип подписи</a:t>
+                      </a:r>
+                      <a:endParaRPr lang="ru-RU" sz="1400" b="1">
+                        <a:effectLst/>
+                        <a:latin typeface="Calibri" panose="020F0502020204030204" pitchFamily="34" charset="0"/>
+                        <a:ea typeface="Times New Roman" panose="02020603050405020304" pitchFamily="18" charset="0"/>
+                        <a:cs typeface="Arial" panose="020B0604020202020204" pitchFamily="34" charset="0"/>
+                      </a:endParaRPr>
+                    </a:p>
+                  </a:txBody>
+                  <a:tcPr marL="48490" marR="48490" marT="0" marB="0" anchor="ctr"/>
+                </a:tc>
+                <a:tc>
+                  <a:txBody>
+                    <a:bodyPr/>
+                    <a:lstStyle/>
+                    <a:p>
+                      <a:pPr marL="128905" algn="ctr">
+                        <a:lnSpc>
+                          <a:spcPct val="115000"/>
+                        </a:lnSpc>
+                        <a:spcBef>
+                          <a:spcPts val="600"/>
+                        </a:spcBef>
+                        <a:spcAft>
+                          <a:spcPts val="600"/>
+                        </a:spcAft>
+                      </a:pPr>
+                      <a:r>
+                        <a:rPr lang="ru-RU" sz="1400" dirty="0">
+                          <a:effectLst/>
+                        </a:rPr>
+                        <a:t>Подписал</a:t>
+                      </a:r>
+                      <a:endParaRPr lang="ru-RU" sz="1400" b="1" dirty="0">
+                        <a:effectLst/>
+                        <a:latin typeface="Calibri" panose="020F0502020204030204" pitchFamily="34" charset="0"/>
+                        <a:ea typeface="Times New Roman" panose="02020603050405020304" pitchFamily="18" charset="0"/>
+                        <a:cs typeface="Arial" panose="020B0604020202020204" pitchFamily="34" charset="0"/>
+                      </a:endParaRPr>
+                    </a:p>
+                  </a:txBody>
+                  <a:tcPr marL="48490" marR="48490" marT="0" marB="0" anchor="ctr"/>
+                </a:tc>
+                <a:tc>
+                  <a:txBody>
+                    <a:bodyPr/>
+                    <a:lstStyle/>
+                    <a:p>
+                      <a:pPr marL="128905" algn="ctr">
+                        <a:lnSpc>
+                          <a:spcPct val="115000"/>
+                        </a:lnSpc>
+                        <a:spcBef>
+                          <a:spcPts val="600"/>
+                        </a:spcBef>
+                        <a:spcAft>
+                          <a:spcPts val="600"/>
+                        </a:spcAft>
+                      </a:pPr>
+                      <a:r>
+                        <a:rPr lang="ru-RU" sz="1400">
+                          <a:effectLst/>
+                        </a:rPr>
+                        <a:t>Подпись</a:t>
+                      </a:r>
+                      <a:endParaRPr lang="ru-RU" sz="1400" b="1">
+                        <a:effectLst/>
+                        <a:latin typeface="Calibri" panose="020F0502020204030204" pitchFamily="34" charset="0"/>
+                        <a:ea typeface="Times New Roman" panose="02020603050405020304" pitchFamily="18" charset="0"/>
+                        <a:cs typeface="Arial" panose="020B0604020202020204" pitchFamily="34" charset="0"/>
+                      </a:endParaRPr>
+                    </a:p>
+                  </a:txBody>
+                  <a:tcPr marL="48490" marR="48490" marT="0" marB="0" anchor="ctr"/>
+                </a:tc>
+                <a:tc>
+                  <a:txBody>
+                    <a:bodyPr/>
+                    <a:lstStyle/>
+                    <a:p>
+                      <a:pPr marL="128905" algn="ctr">
+                        <a:lnSpc>
+                          <a:spcPct val="115000"/>
+                        </a:lnSpc>
+                        <a:spcBef>
+                          <a:spcPts val="600"/>
+                        </a:spcBef>
+                        <a:spcAft>
+                          <a:spcPts val="600"/>
+                        </a:spcAft>
+                      </a:pPr>
+                      <a:r>
+                        <a:rPr lang="ru-RU" sz="1400">
+                          <a:effectLst/>
+                        </a:rPr>
+                        <a:t>Примечания</a:t>
+                      </a:r>
+                      <a:endParaRPr lang="ru-RU" sz="1400" b="1">
+                        <a:effectLst/>
+                        <a:latin typeface="Calibri" panose="020F0502020204030204" pitchFamily="34" charset="0"/>
+                        <a:ea typeface="Times New Roman" panose="02020603050405020304" pitchFamily="18" charset="0"/>
+                        <a:cs typeface="Arial" panose="020B0604020202020204" pitchFamily="34" charset="0"/>
+                      </a:endParaRPr>
+                    </a:p>
+                  </a:txBody>
+                  <a:tcPr marL="48490" marR="48490" marT="0" marB="0" anchor="ctr"/>
+                </a:tc>
+                <a:extLst>
+                  <a:ext uri="{0D108BD9-81ED-4DB2-BD59-A6C34878D82A}">
+                    <a16:rowId xmlns:a16="http://schemas.microsoft.com/office/drawing/2014/main" val="1021146699"/>
+                  </a:ext>
+                </a:extLst>
+              </a:tr>
+              <a:tr h="145244">
+                <a:tc gridSpan="5">
+                  <a:txBody>
+                    <a:bodyPr/>
+                    <a:lstStyle/>
+                    <a:p>
+                      <a:pPr marL="128905">
+                        <a:lnSpc>
+                          <a:spcPct val="115000"/>
+                        </a:lnSpc>
+                        <a:spcBef>
+                          <a:spcPts val="600"/>
+                        </a:spcBef>
+                        <a:spcAft>
+                          <a:spcPts val="600"/>
+                        </a:spcAft>
+                      </a:pPr>
+                      <a:r>
+                        <a:rPr lang="ru-RU" sz="1400" dirty="0">
+                          <a:effectLst/>
+                        </a:rPr>
+                        <a:t>Запуск на согласование/утверждение : 15.02.2021 10:10:40</a:t>
+                      </a:r>
+                      <a:endParaRPr lang="ru-RU" sz="1400" b="1" dirty="0">
+                        <a:effectLst/>
+                        <a:latin typeface="Calibri" panose="020F0502020204030204" pitchFamily="34" charset="0"/>
+                        <a:ea typeface="Times New Roman" panose="02020603050405020304" pitchFamily="18" charset="0"/>
+                        <a:cs typeface="Arial" panose="020B0604020202020204" pitchFamily="34" charset="0"/>
+                      </a:endParaRPr>
+                    </a:p>
+                  </a:txBody>
+                  <a:tcPr marL="48490" marR="48490" marT="0" marB="0" anchor="ctr"/>
+                </a:tc>
+                <a:tc hMerge="1">
+                  <a:txBody>
+                    <a:bodyPr/>
+                    <a:lstStyle/>
+                    <a:p>
+                      <a:endParaRPr lang="ru-RU"/>
+                    </a:p>
+                  </a:txBody>
+                  <a:tcPr/>
+                </a:tc>
+                <a:tc hMerge="1">
+                  <a:txBody>
+                    <a:bodyPr/>
+                    <a:lstStyle/>
+                    <a:p>
+                      <a:endParaRPr lang="ru-RU"/>
+                    </a:p>
+                  </a:txBody>
+                  <a:tcPr/>
+                </a:tc>
+                <a:tc hMerge="1">
+                  <a:txBody>
+                    <a:bodyPr/>
+                    <a:lstStyle/>
+                    <a:p>
+                      <a:endParaRPr lang="ru-RU"/>
+                    </a:p>
+                  </a:txBody>
+                  <a:tcPr/>
+                </a:tc>
+                <a:tc hMerge="1">
+                  <a:txBody>
+                    <a:bodyPr/>
+                    <a:lstStyle/>
+                    <a:p>
+                      <a:endParaRPr lang="ru-RU"/>
+                    </a:p>
+                  </a:txBody>
+                  <a:tcPr/>
+                </a:tc>
+                <a:extLst>
+                  <a:ext uri="{0D108BD9-81ED-4DB2-BD59-A6C34878D82A}">
+                    <a16:rowId xmlns:a16="http://schemas.microsoft.com/office/drawing/2014/main" val="4001298676"/>
+                  </a:ext>
+                </a:extLst>
+              </a:tr>
+              <a:tr h="235273">
+                <a:tc>
+                  <a:txBody>
+                    <a:bodyPr/>
+                    <a:lstStyle/>
+                    <a:p>
+                      <a:pPr>
+                        <a:lnSpc>
+                          <a:spcPct val="115000"/>
+                        </a:lnSpc>
+                        <a:spcAft>
+                          <a:spcPts val="0"/>
+                        </a:spcAft>
+                      </a:pPr>
+                      <a:r>
+                        <a:rPr lang="ru-RU" sz="1100">
+                          <a:effectLst/>
+                        </a:rPr>
+                        <a:t>15.02.2021</a:t>
+                      </a:r>
+                      <a:endParaRPr lang="ru-RU" sz="1100" b="1">
+                        <a:effectLst/>
+                        <a:latin typeface="Arial" panose="020B0604020202020204" pitchFamily="34" charset="0"/>
+                        <a:ea typeface="SimSun" panose="02010600030101010101" pitchFamily="2" charset="-122"/>
+                        <a:cs typeface="Arial" panose="020B0604020202020204" pitchFamily="34" charset="0"/>
+                      </a:endParaRPr>
+                    </a:p>
+                  </a:txBody>
+                  <a:tcPr marL="48490" marR="48490" marT="0" marB="0" anchor="ctr"/>
+                </a:tc>
+                <a:tc>
+                  <a:txBody>
+                    <a:bodyPr/>
+                    <a:lstStyle/>
+                    <a:p>
+                      <a:pPr>
+                        <a:lnSpc>
+                          <a:spcPct val="115000"/>
+                        </a:lnSpc>
+                        <a:spcAft>
+                          <a:spcPts val="0"/>
+                        </a:spcAft>
+                      </a:pPr>
+                      <a:r>
+                        <a:rPr lang="ru-RU" sz="1100">
+                          <a:effectLst/>
+                        </a:rPr>
+                        <a:t>Согласующая подпись</a:t>
+                      </a:r>
+                      <a:endParaRPr lang="ru-RU" sz="1100" b="1">
+                        <a:effectLst/>
+                        <a:latin typeface="Arial" panose="020B0604020202020204" pitchFamily="34" charset="0"/>
+                        <a:ea typeface="SimSun" panose="02010600030101010101" pitchFamily="2" charset="-122"/>
+                        <a:cs typeface="Arial" panose="020B0604020202020204" pitchFamily="34" charset="0"/>
+                      </a:endParaRPr>
+                    </a:p>
+                  </a:txBody>
+                  <a:tcPr marL="48490" marR="48490" marT="0" marB="0" anchor="ctr"/>
+                </a:tc>
+                <a:tc>
+                  <a:txBody>
+                    <a:bodyPr/>
+                    <a:lstStyle/>
+                    <a:p>
+                      <a:pPr>
+                        <a:lnSpc>
+                          <a:spcPct val="115000"/>
+                        </a:lnSpc>
+                        <a:spcAft>
+                          <a:spcPts val="0"/>
+                        </a:spcAft>
+                      </a:pPr>
+                      <a:r>
+                        <a:rPr lang="ru-RU" sz="1100">
+                          <a:effectLst/>
+                        </a:rPr>
+                        <a:t>Зайцева Ю.А. - начальник ПЭО</a:t>
+                      </a:r>
+                      <a:endParaRPr lang="ru-RU" sz="1100" b="1">
+                        <a:effectLst/>
+                        <a:latin typeface="Arial" panose="020B0604020202020204" pitchFamily="34" charset="0"/>
+                        <a:ea typeface="SimSun" panose="02010600030101010101" pitchFamily="2" charset="-122"/>
+                        <a:cs typeface="Arial" panose="020B0604020202020204" pitchFamily="34" charset="0"/>
+                      </a:endParaRPr>
+                    </a:p>
+                  </a:txBody>
+                  <a:tcPr marL="48490" marR="48490" marT="0" marB="0" anchor="ctr"/>
+                </a:tc>
+                <a:tc>
+                  <a:txBody>
+                    <a:bodyPr/>
+                    <a:lstStyle/>
+                    <a:p>
+                      <a:pPr marL="128905" algn="ctr">
+                        <a:lnSpc>
+                          <a:spcPct val="115000"/>
+                        </a:lnSpc>
+                        <a:spcBef>
+                          <a:spcPts val="600"/>
+                        </a:spcBef>
+                        <a:spcAft>
+                          <a:spcPts val="600"/>
+                        </a:spcAft>
+                      </a:pPr>
+                      <a:r>
+                        <a:rPr lang="ru-RU" sz="1400">
+                          <a:effectLst/>
+                        </a:rPr>
+                        <a:t>Согласен</a:t>
+                      </a:r>
+                      <a:endParaRPr lang="ru-RU" sz="1400" b="1">
+                        <a:effectLst/>
+                        <a:latin typeface="Calibri" panose="020F0502020204030204" pitchFamily="34" charset="0"/>
+                        <a:ea typeface="Times New Roman" panose="02020603050405020304" pitchFamily="18" charset="0"/>
+                        <a:cs typeface="Arial" panose="020B0604020202020204" pitchFamily="34" charset="0"/>
+                      </a:endParaRPr>
+                    </a:p>
+                  </a:txBody>
+                  <a:tcPr marL="48490" marR="48490" marT="0" marB="0" anchor="ctr"/>
+                </a:tc>
+                <a:tc>
+                  <a:txBody>
+                    <a:bodyPr/>
+                    <a:lstStyle/>
+                    <a:p>
+                      <a:pPr marL="128905">
+                        <a:lnSpc>
+                          <a:spcPct val="115000"/>
+                        </a:lnSpc>
+                        <a:spcBef>
+                          <a:spcPts val="600"/>
+                        </a:spcBef>
+                        <a:spcAft>
+                          <a:spcPts val="600"/>
+                        </a:spcAft>
+                      </a:pPr>
+                      <a:r>
+                        <a:rPr lang="en-US" sz="1400">
+                          <a:effectLst/>
+                        </a:rPr>
+                        <a:t> </a:t>
+                      </a:r>
+                      <a:endParaRPr lang="ru-RU" sz="1400" b="1">
+                        <a:effectLst/>
+                        <a:latin typeface="Calibri" panose="020F0502020204030204" pitchFamily="34" charset="0"/>
+                        <a:ea typeface="Times New Roman" panose="02020603050405020304" pitchFamily="18" charset="0"/>
+                        <a:cs typeface="Arial" panose="020B0604020202020204" pitchFamily="34" charset="0"/>
+                      </a:endParaRPr>
+                    </a:p>
+                  </a:txBody>
+                  <a:tcPr marL="48490" marR="48490" marT="0" marB="0" anchor="ctr"/>
+                </a:tc>
+                <a:extLst>
+                  <a:ext uri="{0D108BD9-81ED-4DB2-BD59-A6C34878D82A}">
+                    <a16:rowId xmlns:a16="http://schemas.microsoft.com/office/drawing/2014/main" val="2115699984"/>
+                  </a:ext>
+                </a:extLst>
+              </a:tr>
+              <a:tr h="358154">
+                <a:tc>
+                  <a:txBody>
+                    <a:bodyPr/>
+                    <a:lstStyle/>
+                    <a:p>
+                      <a:pPr>
+                        <a:lnSpc>
+                          <a:spcPct val="115000"/>
+                        </a:lnSpc>
+                        <a:spcAft>
+                          <a:spcPts val="0"/>
+                        </a:spcAft>
+                      </a:pPr>
+                      <a:r>
+                        <a:rPr lang="ru-RU" sz="1100">
+                          <a:effectLst/>
+                        </a:rPr>
+                        <a:t>15.02.2021</a:t>
+                      </a:r>
+                      <a:endParaRPr lang="ru-RU" sz="1100" b="1">
+                        <a:effectLst/>
+                        <a:latin typeface="Arial" panose="020B0604020202020204" pitchFamily="34" charset="0"/>
+                        <a:ea typeface="SimSun" panose="02010600030101010101" pitchFamily="2" charset="-122"/>
+                        <a:cs typeface="Arial" panose="020B0604020202020204" pitchFamily="34" charset="0"/>
+                      </a:endParaRPr>
+                    </a:p>
+                  </a:txBody>
+                  <a:tcPr marL="48490" marR="48490" marT="0" marB="0" anchor="ctr"/>
+                </a:tc>
+                <a:tc>
+                  <a:txBody>
+                    <a:bodyPr/>
+                    <a:lstStyle/>
+                    <a:p>
+                      <a:pPr>
+                        <a:lnSpc>
+                          <a:spcPct val="115000"/>
+                        </a:lnSpc>
+                        <a:spcAft>
+                          <a:spcPts val="0"/>
+                        </a:spcAft>
+                      </a:pPr>
+                      <a:r>
+                        <a:rPr lang="ru-RU" sz="1100">
+                          <a:effectLst/>
+                        </a:rPr>
+                        <a:t>Согласующая подпись</a:t>
+                      </a:r>
+                      <a:endParaRPr lang="ru-RU" sz="1100" b="1">
+                        <a:effectLst/>
+                        <a:latin typeface="Arial" panose="020B0604020202020204" pitchFamily="34" charset="0"/>
+                        <a:ea typeface="SimSun" panose="02010600030101010101" pitchFamily="2" charset="-122"/>
+                        <a:cs typeface="Arial" panose="020B0604020202020204" pitchFamily="34" charset="0"/>
+                      </a:endParaRPr>
+                    </a:p>
+                  </a:txBody>
+                  <a:tcPr marL="48490" marR="48490" marT="0" marB="0" anchor="ctr"/>
+                </a:tc>
+                <a:tc>
+                  <a:txBody>
+                    <a:bodyPr/>
+                    <a:lstStyle/>
+                    <a:p>
+                      <a:pPr>
+                        <a:lnSpc>
+                          <a:spcPct val="115000"/>
+                        </a:lnSpc>
+                        <a:spcAft>
+                          <a:spcPts val="0"/>
+                        </a:spcAft>
+                      </a:pPr>
+                      <a:r>
+                        <a:rPr lang="ru-RU" sz="1100" dirty="0" err="1">
+                          <a:effectLst/>
+                        </a:rPr>
+                        <a:t>Лисняк</a:t>
+                      </a:r>
+                      <a:r>
+                        <a:rPr lang="ru-RU" sz="1100" dirty="0">
+                          <a:effectLst/>
+                        </a:rPr>
+                        <a:t> Е.М. - Начальник отдела управления проектами и бережливого производства</a:t>
+                      </a:r>
+                      <a:endParaRPr lang="ru-RU" sz="1100" b="1" dirty="0">
+                        <a:effectLst/>
+                        <a:latin typeface="Arial" panose="020B0604020202020204" pitchFamily="34" charset="0"/>
+                        <a:ea typeface="SimSun" panose="02010600030101010101" pitchFamily="2" charset="-122"/>
+                        <a:cs typeface="Arial" panose="020B0604020202020204" pitchFamily="34" charset="0"/>
+                      </a:endParaRPr>
+                    </a:p>
+                  </a:txBody>
+                  <a:tcPr marL="48490" marR="48490" marT="0" marB="0" anchor="ctr"/>
+                </a:tc>
+                <a:tc>
+                  <a:txBody>
+                    <a:bodyPr/>
+                    <a:lstStyle/>
+                    <a:p>
+                      <a:pPr marL="128905" algn="ctr">
+                        <a:lnSpc>
+                          <a:spcPct val="115000"/>
+                        </a:lnSpc>
+                        <a:spcBef>
+                          <a:spcPts val="600"/>
+                        </a:spcBef>
+                        <a:spcAft>
+                          <a:spcPts val="600"/>
+                        </a:spcAft>
+                      </a:pPr>
+                      <a:r>
+                        <a:rPr lang="ru-RU" sz="1400">
+                          <a:effectLst/>
+                        </a:rPr>
+                        <a:t>Согласен</a:t>
+                      </a:r>
+                      <a:endParaRPr lang="ru-RU" sz="1400" b="1">
+                        <a:effectLst/>
+                        <a:latin typeface="Calibri" panose="020F0502020204030204" pitchFamily="34" charset="0"/>
+                        <a:ea typeface="Times New Roman" panose="02020603050405020304" pitchFamily="18" charset="0"/>
+                        <a:cs typeface="Arial" panose="020B0604020202020204" pitchFamily="34" charset="0"/>
+                      </a:endParaRPr>
+                    </a:p>
+                  </a:txBody>
+                  <a:tcPr marL="48490" marR="48490" marT="0" marB="0" anchor="ctr"/>
+                </a:tc>
+                <a:tc>
+                  <a:txBody>
+                    <a:bodyPr/>
+                    <a:lstStyle/>
+                    <a:p>
+                      <a:pPr marL="128905">
+                        <a:lnSpc>
+                          <a:spcPct val="115000"/>
+                        </a:lnSpc>
+                        <a:spcBef>
+                          <a:spcPts val="600"/>
+                        </a:spcBef>
+                        <a:spcAft>
+                          <a:spcPts val="600"/>
+                        </a:spcAft>
+                      </a:pPr>
+                      <a:r>
+                        <a:rPr lang="en-US" sz="1400">
+                          <a:effectLst/>
+                        </a:rPr>
+                        <a:t> </a:t>
+                      </a:r>
+                      <a:endParaRPr lang="ru-RU" sz="1400" b="1">
+                        <a:effectLst/>
+                        <a:latin typeface="Calibri" panose="020F0502020204030204" pitchFamily="34" charset="0"/>
+                        <a:ea typeface="Times New Roman" panose="02020603050405020304" pitchFamily="18" charset="0"/>
+                        <a:cs typeface="Arial" panose="020B0604020202020204" pitchFamily="34" charset="0"/>
+                      </a:endParaRPr>
+                    </a:p>
+                  </a:txBody>
+                  <a:tcPr marL="48490" marR="48490" marT="0" marB="0" anchor="ctr"/>
+                </a:tc>
+                <a:extLst>
+                  <a:ext uri="{0D108BD9-81ED-4DB2-BD59-A6C34878D82A}">
+                    <a16:rowId xmlns:a16="http://schemas.microsoft.com/office/drawing/2014/main" val="4214581374"/>
+                  </a:ext>
+                </a:extLst>
+              </a:tr>
+              <a:tr h="358154">
+                <a:tc>
+                  <a:txBody>
+                    <a:bodyPr/>
+                    <a:lstStyle/>
+                    <a:p>
+                      <a:pPr>
+                        <a:lnSpc>
+                          <a:spcPct val="115000"/>
+                        </a:lnSpc>
+                        <a:spcAft>
+                          <a:spcPts val="0"/>
+                        </a:spcAft>
+                      </a:pPr>
+                      <a:r>
+                        <a:rPr lang="ru-RU" sz="1100">
+                          <a:effectLst/>
+                        </a:rPr>
+                        <a:t>15.02.2021</a:t>
+                      </a:r>
+                      <a:endParaRPr lang="ru-RU" sz="1100" b="1">
+                        <a:effectLst/>
+                        <a:latin typeface="Arial" panose="020B0604020202020204" pitchFamily="34" charset="0"/>
+                        <a:ea typeface="SimSun" panose="02010600030101010101" pitchFamily="2" charset="-122"/>
+                        <a:cs typeface="Arial" panose="020B0604020202020204" pitchFamily="34" charset="0"/>
+                      </a:endParaRPr>
+                    </a:p>
+                  </a:txBody>
+                  <a:tcPr marL="48490" marR="48490" marT="0" marB="0" anchor="ctr"/>
+                </a:tc>
+                <a:tc>
+                  <a:txBody>
+                    <a:bodyPr/>
+                    <a:lstStyle/>
+                    <a:p>
+                      <a:pPr>
+                        <a:lnSpc>
+                          <a:spcPct val="115000"/>
+                        </a:lnSpc>
+                        <a:spcAft>
+                          <a:spcPts val="0"/>
+                        </a:spcAft>
+                      </a:pPr>
+                      <a:r>
+                        <a:rPr lang="ru-RU" sz="1100">
+                          <a:effectLst/>
+                        </a:rPr>
+                        <a:t>Согласующая подпись</a:t>
+                      </a:r>
+                      <a:endParaRPr lang="ru-RU" sz="1100" b="1">
+                        <a:effectLst/>
+                        <a:latin typeface="Arial" panose="020B0604020202020204" pitchFamily="34" charset="0"/>
+                        <a:ea typeface="SimSun" panose="02010600030101010101" pitchFamily="2" charset="-122"/>
+                        <a:cs typeface="Arial" panose="020B0604020202020204" pitchFamily="34" charset="0"/>
+                      </a:endParaRPr>
+                    </a:p>
+                  </a:txBody>
+                  <a:tcPr marL="48490" marR="48490" marT="0" marB="0" anchor="ctr"/>
+                </a:tc>
+                <a:tc>
+                  <a:txBody>
+                    <a:bodyPr/>
+                    <a:lstStyle/>
+                    <a:p>
+                      <a:pPr>
+                        <a:lnSpc>
+                          <a:spcPct val="115000"/>
+                        </a:lnSpc>
+                        <a:spcAft>
+                          <a:spcPts val="0"/>
+                        </a:spcAft>
+                      </a:pPr>
+                      <a:r>
+                        <a:rPr lang="ru-RU" sz="1100" dirty="0">
+                          <a:effectLst/>
+                        </a:rPr>
+                        <a:t>Лескин О.В. - Директор по цифровым технологиям и стратегическому развитию</a:t>
+                      </a:r>
+                      <a:endParaRPr lang="ru-RU" sz="1100" b="1" dirty="0">
+                        <a:effectLst/>
+                        <a:latin typeface="Arial" panose="020B0604020202020204" pitchFamily="34" charset="0"/>
+                        <a:ea typeface="SimSun" panose="02010600030101010101" pitchFamily="2" charset="-122"/>
+                        <a:cs typeface="Arial" panose="020B0604020202020204" pitchFamily="34" charset="0"/>
+                      </a:endParaRPr>
+                    </a:p>
+                  </a:txBody>
+                  <a:tcPr marL="48490" marR="48490" marT="0" marB="0" anchor="ctr"/>
+                </a:tc>
+                <a:tc>
+                  <a:txBody>
+                    <a:bodyPr/>
+                    <a:lstStyle/>
+                    <a:p>
+                      <a:pPr marL="128905" algn="ctr">
+                        <a:lnSpc>
+                          <a:spcPct val="115000"/>
+                        </a:lnSpc>
+                        <a:spcBef>
+                          <a:spcPts val="600"/>
+                        </a:spcBef>
+                        <a:spcAft>
+                          <a:spcPts val="600"/>
+                        </a:spcAft>
+                      </a:pPr>
+                      <a:r>
+                        <a:rPr lang="ru-RU" sz="1400">
+                          <a:effectLst/>
+                        </a:rPr>
+                        <a:t>Согласен</a:t>
+                      </a:r>
+                      <a:endParaRPr lang="ru-RU" sz="1400" b="1">
+                        <a:effectLst/>
+                        <a:latin typeface="Calibri" panose="020F0502020204030204" pitchFamily="34" charset="0"/>
+                        <a:ea typeface="Times New Roman" panose="02020603050405020304" pitchFamily="18" charset="0"/>
+                        <a:cs typeface="Arial" panose="020B0604020202020204" pitchFamily="34" charset="0"/>
+                      </a:endParaRPr>
+                    </a:p>
+                  </a:txBody>
+                  <a:tcPr marL="48490" marR="48490" marT="0" marB="0" anchor="ctr"/>
+                </a:tc>
+                <a:tc>
+                  <a:txBody>
+                    <a:bodyPr/>
+                    <a:lstStyle/>
+                    <a:p>
+                      <a:pPr marL="128905">
+                        <a:lnSpc>
+                          <a:spcPct val="115000"/>
+                        </a:lnSpc>
+                        <a:spcBef>
+                          <a:spcPts val="600"/>
+                        </a:spcBef>
+                        <a:spcAft>
+                          <a:spcPts val="600"/>
+                        </a:spcAft>
+                      </a:pPr>
+                      <a:r>
+                        <a:rPr lang="en-US" sz="1400">
+                          <a:effectLst/>
+                        </a:rPr>
+                        <a:t> </a:t>
+                      </a:r>
+                      <a:endParaRPr lang="ru-RU" sz="1400" b="1">
+                        <a:effectLst/>
+                        <a:latin typeface="Calibri" panose="020F0502020204030204" pitchFamily="34" charset="0"/>
+                        <a:ea typeface="Times New Roman" panose="02020603050405020304" pitchFamily="18" charset="0"/>
+                        <a:cs typeface="Arial" panose="020B0604020202020204" pitchFamily="34" charset="0"/>
+                      </a:endParaRPr>
+                    </a:p>
+                  </a:txBody>
+                  <a:tcPr marL="48490" marR="48490" marT="0" marB="0" anchor="ctr"/>
+                </a:tc>
+                <a:extLst>
+                  <a:ext uri="{0D108BD9-81ED-4DB2-BD59-A6C34878D82A}">
+                    <a16:rowId xmlns:a16="http://schemas.microsoft.com/office/drawing/2014/main" val="2559279173"/>
+                  </a:ext>
+                </a:extLst>
+              </a:tr>
+              <a:tr h="608682">
+                <a:tc>
+                  <a:txBody>
+                    <a:bodyPr/>
+                    <a:lstStyle/>
+                    <a:p>
+                      <a:pPr>
+                        <a:lnSpc>
+                          <a:spcPct val="115000"/>
+                        </a:lnSpc>
+                        <a:spcAft>
+                          <a:spcPts val="0"/>
+                        </a:spcAft>
+                      </a:pPr>
+                      <a:r>
+                        <a:rPr lang="ru-RU" sz="1100">
+                          <a:effectLst/>
+                        </a:rPr>
+                        <a:t>15.02.2021</a:t>
+                      </a:r>
+                      <a:endParaRPr lang="ru-RU" sz="1100" b="1">
+                        <a:effectLst/>
+                        <a:latin typeface="Arial" panose="020B0604020202020204" pitchFamily="34" charset="0"/>
+                        <a:ea typeface="SimSun" panose="02010600030101010101" pitchFamily="2" charset="-122"/>
+                        <a:cs typeface="Arial" panose="020B0604020202020204" pitchFamily="34" charset="0"/>
+                      </a:endParaRPr>
+                    </a:p>
+                  </a:txBody>
+                  <a:tcPr marL="48490" marR="48490" marT="0" marB="0" anchor="ctr"/>
+                </a:tc>
+                <a:tc>
+                  <a:txBody>
+                    <a:bodyPr/>
+                    <a:lstStyle/>
+                    <a:p>
+                      <a:pPr>
+                        <a:lnSpc>
+                          <a:spcPct val="115000"/>
+                        </a:lnSpc>
+                        <a:spcAft>
+                          <a:spcPts val="0"/>
+                        </a:spcAft>
+                      </a:pPr>
+                      <a:r>
+                        <a:rPr lang="ru-RU" sz="1100">
+                          <a:effectLst/>
+                        </a:rPr>
+                        <a:t>Согласующая подпись</a:t>
+                      </a:r>
+                      <a:endParaRPr lang="ru-RU" sz="1100" b="1">
+                        <a:effectLst/>
+                        <a:latin typeface="Arial" panose="020B0604020202020204" pitchFamily="34" charset="0"/>
+                        <a:ea typeface="SimSun" panose="02010600030101010101" pitchFamily="2" charset="-122"/>
+                        <a:cs typeface="Arial" panose="020B0604020202020204" pitchFamily="34" charset="0"/>
+                      </a:endParaRPr>
+                    </a:p>
+                  </a:txBody>
+                  <a:tcPr marL="48490" marR="48490" marT="0" marB="0" anchor="ctr"/>
+                </a:tc>
+                <a:tc>
+                  <a:txBody>
+                    <a:bodyPr/>
+                    <a:lstStyle/>
+                    <a:p>
+                      <a:pPr>
+                        <a:lnSpc>
+                          <a:spcPct val="115000"/>
+                        </a:lnSpc>
+                        <a:spcAft>
+                          <a:spcPts val="0"/>
+                        </a:spcAft>
+                      </a:pPr>
+                      <a:r>
+                        <a:rPr lang="ru-RU" sz="1100" dirty="0" err="1">
+                          <a:effectLst/>
+                        </a:rPr>
+                        <a:t>Смагулов</a:t>
+                      </a:r>
+                      <a:r>
+                        <a:rPr lang="ru-RU" sz="1100" dirty="0">
+                          <a:effectLst/>
+                        </a:rPr>
+                        <a:t> А.Р. - Технический директор</a:t>
+                      </a:r>
+                      <a:endParaRPr lang="ru-RU" sz="1100" b="1" dirty="0">
+                        <a:effectLst/>
+                        <a:latin typeface="Arial" panose="020B0604020202020204" pitchFamily="34" charset="0"/>
+                        <a:ea typeface="SimSun" panose="02010600030101010101" pitchFamily="2" charset="-122"/>
+                        <a:cs typeface="Arial" panose="020B0604020202020204" pitchFamily="34" charset="0"/>
+                      </a:endParaRPr>
+                    </a:p>
+                  </a:txBody>
+                  <a:tcPr marL="48490" marR="48490" marT="0" marB="0" anchor="ctr"/>
+                </a:tc>
+                <a:tc>
+                  <a:txBody>
+                    <a:bodyPr/>
+                    <a:lstStyle/>
+                    <a:p>
+                      <a:pPr marL="128905" algn="ctr">
+                        <a:lnSpc>
+                          <a:spcPct val="115000"/>
+                        </a:lnSpc>
+                        <a:spcBef>
+                          <a:spcPts val="600"/>
+                        </a:spcBef>
+                        <a:spcAft>
+                          <a:spcPts val="600"/>
+                        </a:spcAft>
+                      </a:pPr>
+                      <a:r>
+                        <a:rPr lang="ru-RU" sz="1400">
+                          <a:effectLst/>
+                        </a:rPr>
+                        <a:t>Согласен с замечаниями</a:t>
+                      </a:r>
+                      <a:endParaRPr lang="ru-RU" sz="1400" b="1">
+                        <a:effectLst/>
+                        <a:latin typeface="Calibri" panose="020F0502020204030204" pitchFamily="34" charset="0"/>
+                        <a:ea typeface="Times New Roman" panose="02020603050405020304" pitchFamily="18" charset="0"/>
+                        <a:cs typeface="Arial" panose="020B0604020202020204" pitchFamily="34" charset="0"/>
+                      </a:endParaRPr>
+                    </a:p>
+                  </a:txBody>
+                  <a:tcPr marL="48490" marR="48490" marT="0" marB="0" anchor="ctr"/>
+                </a:tc>
+                <a:tc>
+                  <a:txBody>
+                    <a:bodyPr/>
+                    <a:lstStyle/>
+                    <a:p>
+                      <a:pPr marL="128905">
+                        <a:lnSpc>
+                          <a:spcPct val="115000"/>
+                        </a:lnSpc>
+                        <a:spcBef>
+                          <a:spcPts val="600"/>
+                        </a:spcBef>
+                        <a:spcAft>
+                          <a:spcPts val="600"/>
+                        </a:spcAft>
+                      </a:pPr>
+                      <a:r>
+                        <a:rPr lang="ru-RU" sz="1400">
+                          <a:effectLst/>
+                        </a:rPr>
+                        <a:t>По приезду членов Правления было бы хорошо проговорить - не совсем все понял...</a:t>
+                      </a:r>
+                      <a:endParaRPr lang="ru-RU" sz="1400" b="1">
+                        <a:effectLst/>
+                        <a:latin typeface="Calibri" panose="020F0502020204030204" pitchFamily="34" charset="0"/>
+                        <a:ea typeface="Times New Roman" panose="02020603050405020304" pitchFamily="18" charset="0"/>
+                        <a:cs typeface="Arial" panose="020B0604020202020204" pitchFamily="34" charset="0"/>
+                      </a:endParaRPr>
+                    </a:p>
+                  </a:txBody>
+                  <a:tcPr marL="48490" marR="48490" marT="0" marB="0" anchor="ctr"/>
+                </a:tc>
+                <a:extLst>
+                  <a:ext uri="{0D108BD9-81ED-4DB2-BD59-A6C34878D82A}">
+                    <a16:rowId xmlns:a16="http://schemas.microsoft.com/office/drawing/2014/main" val="1946442296"/>
+                  </a:ext>
+                </a:extLst>
+              </a:tr>
+              <a:tr h="358154">
+                <a:tc>
+                  <a:txBody>
+                    <a:bodyPr/>
+                    <a:lstStyle/>
+                    <a:p>
+                      <a:pPr>
+                        <a:lnSpc>
+                          <a:spcPct val="115000"/>
+                        </a:lnSpc>
+                        <a:spcAft>
+                          <a:spcPts val="0"/>
+                        </a:spcAft>
+                      </a:pPr>
+                      <a:r>
+                        <a:rPr lang="ru-RU" sz="1100">
+                          <a:effectLst/>
+                        </a:rPr>
+                        <a:t>16.02.2021</a:t>
+                      </a:r>
+                      <a:endParaRPr lang="ru-RU" sz="1100" b="1">
+                        <a:effectLst/>
+                        <a:latin typeface="Arial" panose="020B0604020202020204" pitchFamily="34" charset="0"/>
+                        <a:ea typeface="SimSun" panose="02010600030101010101" pitchFamily="2" charset="-122"/>
+                        <a:cs typeface="Arial" panose="020B0604020202020204" pitchFamily="34" charset="0"/>
+                      </a:endParaRPr>
+                    </a:p>
+                  </a:txBody>
+                  <a:tcPr marL="48490" marR="48490" marT="0" marB="0" anchor="ctr"/>
+                </a:tc>
+                <a:tc>
+                  <a:txBody>
+                    <a:bodyPr/>
+                    <a:lstStyle/>
+                    <a:p>
+                      <a:pPr>
+                        <a:lnSpc>
+                          <a:spcPct val="115000"/>
+                        </a:lnSpc>
+                        <a:spcAft>
+                          <a:spcPts val="0"/>
+                        </a:spcAft>
+                      </a:pPr>
+                      <a:r>
+                        <a:rPr lang="ru-RU" sz="1100">
+                          <a:effectLst/>
+                        </a:rPr>
+                        <a:t>Согласующая подпись</a:t>
+                      </a:r>
+                      <a:endParaRPr lang="ru-RU" sz="1100" b="1">
+                        <a:effectLst/>
+                        <a:latin typeface="Arial" panose="020B0604020202020204" pitchFamily="34" charset="0"/>
+                        <a:ea typeface="SimSun" panose="02010600030101010101" pitchFamily="2" charset="-122"/>
+                        <a:cs typeface="Arial" panose="020B0604020202020204" pitchFamily="34" charset="0"/>
+                      </a:endParaRPr>
+                    </a:p>
+                  </a:txBody>
+                  <a:tcPr marL="48490" marR="48490" marT="0" marB="0" anchor="ctr"/>
+                </a:tc>
+                <a:tc>
+                  <a:txBody>
+                    <a:bodyPr/>
+                    <a:lstStyle/>
+                    <a:p>
+                      <a:pPr>
+                        <a:lnSpc>
+                          <a:spcPct val="115000"/>
+                        </a:lnSpc>
+                        <a:spcAft>
+                          <a:spcPts val="0"/>
+                        </a:spcAft>
+                      </a:pPr>
+                      <a:r>
+                        <a:rPr lang="ru-RU" sz="1100">
+                          <a:effectLst/>
+                        </a:rPr>
+                        <a:t>Ташмухамедов А.Ж. - Заместитель коммерческого директора</a:t>
+                      </a:r>
+                      <a:endParaRPr lang="ru-RU" sz="1100" b="1">
+                        <a:effectLst/>
+                        <a:latin typeface="Arial" panose="020B0604020202020204" pitchFamily="34" charset="0"/>
+                        <a:ea typeface="SimSun" panose="02010600030101010101" pitchFamily="2" charset="-122"/>
+                        <a:cs typeface="Arial" panose="020B0604020202020204" pitchFamily="34" charset="0"/>
+                      </a:endParaRPr>
+                    </a:p>
+                  </a:txBody>
+                  <a:tcPr marL="48490" marR="48490" marT="0" marB="0" anchor="ctr"/>
+                </a:tc>
+                <a:tc>
+                  <a:txBody>
+                    <a:bodyPr/>
+                    <a:lstStyle/>
+                    <a:p>
+                      <a:pPr marL="128905" algn="ctr">
+                        <a:lnSpc>
+                          <a:spcPct val="115000"/>
+                        </a:lnSpc>
+                        <a:spcBef>
+                          <a:spcPts val="600"/>
+                        </a:spcBef>
+                        <a:spcAft>
+                          <a:spcPts val="600"/>
+                        </a:spcAft>
+                      </a:pPr>
+                      <a:r>
+                        <a:rPr lang="ru-RU" sz="1400">
+                          <a:effectLst/>
+                        </a:rPr>
+                        <a:t>Согласен</a:t>
+                      </a:r>
+                      <a:endParaRPr lang="ru-RU" sz="1400" b="1">
+                        <a:effectLst/>
+                        <a:latin typeface="Calibri" panose="020F0502020204030204" pitchFamily="34" charset="0"/>
+                        <a:ea typeface="Times New Roman" panose="02020603050405020304" pitchFamily="18" charset="0"/>
+                        <a:cs typeface="Arial" panose="020B0604020202020204" pitchFamily="34" charset="0"/>
+                      </a:endParaRPr>
+                    </a:p>
+                  </a:txBody>
+                  <a:tcPr marL="48490" marR="48490" marT="0" marB="0" anchor="ctr"/>
+                </a:tc>
+                <a:tc>
+                  <a:txBody>
+                    <a:bodyPr/>
+                    <a:lstStyle/>
+                    <a:p>
+                      <a:pPr marL="128905">
+                        <a:lnSpc>
+                          <a:spcPct val="115000"/>
+                        </a:lnSpc>
+                        <a:spcBef>
+                          <a:spcPts val="600"/>
+                        </a:spcBef>
+                        <a:spcAft>
+                          <a:spcPts val="600"/>
+                        </a:spcAft>
+                      </a:pPr>
+                      <a:r>
+                        <a:rPr lang="en-US" sz="1400">
+                          <a:effectLst/>
+                        </a:rPr>
+                        <a:t> </a:t>
+                      </a:r>
+                      <a:endParaRPr lang="ru-RU" sz="1400" b="1">
+                        <a:effectLst/>
+                        <a:latin typeface="Calibri" panose="020F0502020204030204" pitchFamily="34" charset="0"/>
+                        <a:ea typeface="Times New Roman" panose="02020603050405020304" pitchFamily="18" charset="0"/>
+                        <a:cs typeface="Arial" panose="020B0604020202020204" pitchFamily="34" charset="0"/>
+                      </a:endParaRPr>
+                    </a:p>
+                  </a:txBody>
+                  <a:tcPr marL="48490" marR="48490" marT="0" marB="0" anchor="ctr"/>
+                </a:tc>
+                <a:extLst>
+                  <a:ext uri="{0D108BD9-81ED-4DB2-BD59-A6C34878D82A}">
+                    <a16:rowId xmlns:a16="http://schemas.microsoft.com/office/drawing/2014/main" val="1416786735"/>
+                  </a:ext>
+                </a:extLst>
+              </a:tr>
+              <a:tr h="1226600">
+                <a:tc>
+                  <a:txBody>
+                    <a:bodyPr/>
+                    <a:lstStyle/>
+                    <a:p>
+                      <a:pPr>
+                        <a:lnSpc>
+                          <a:spcPct val="115000"/>
+                        </a:lnSpc>
+                        <a:spcAft>
+                          <a:spcPts val="0"/>
+                        </a:spcAft>
+                      </a:pPr>
+                      <a:r>
+                        <a:rPr lang="ru-RU" sz="1100">
+                          <a:effectLst/>
+                        </a:rPr>
+                        <a:t>17.02.2021</a:t>
+                      </a:r>
+                      <a:endParaRPr lang="ru-RU" sz="1100" b="1">
+                        <a:effectLst/>
+                        <a:latin typeface="Arial" panose="020B0604020202020204" pitchFamily="34" charset="0"/>
+                        <a:ea typeface="SimSun" panose="02010600030101010101" pitchFamily="2" charset="-122"/>
+                        <a:cs typeface="Arial" panose="020B0604020202020204" pitchFamily="34" charset="0"/>
+                      </a:endParaRPr>
+                    </a:p>
+                  </a:txBody>
+                  <a:tcPr marL="48490" marR="48490" marT="0" marB="0" anchor="ctr"/>
+                </a:tc>
+                <a:tc>
+                  <a:txBody>
+                    <a:bodyPr/>
+                    <a:lstStyle/>
+                    <a:p>
+                      <a:pPr>
+                        <a:lnSpc>
+                          <a:spcPct val="115000"/>
+                        </a:lnSpc>
+                        <a:spcAft>
+                          <a:spcPts val="0"/>
+                        </a:spcAft>
+                      </a:pPr>
+                      <a:r>
+                        <a:rPr lang="ru-RU" sz="1100">
+                          <a:effectLst/>
+                        </a:rPr>
+                        <a:t>Согласующая подпись</a:t>
+                      </a:r>
+                      <a:endParaRPr lang="ru-RU" sz="1100" b="1">
+                        <a:effectLst/>
+                        <a:latin typeface="Arial" panose="020B0604020202020204" pitchFamily="34" charset="0"/>
+                        <a:ea typeface="SimSun" panose="02010600030101010101" pitchFamily="2" charset="-122"/>
+                        <a:cs typeface="Arial" panose="020B0604020202020204" pitchFamily="34" charset="0"/>
+                      </a:endParaRPr>
+                    </a:p>
+                  </a:txBody>
+                  <a:tcPr marL="48490" marR="48490" marT="0" marB="0" anchor="ctr"/>
+                </a:tc>
+                <a:tc>
+                  <a:txBody>
+                    <a:bodyPr/>
+                    <a:lstStyle/>
+                    <a:p>
+                      <a:pPr>
+                        <a:lnSpc>
+                          <a:spcPct val="115000"/>
+                        </a:lnSpc>
+                        <a:spcAft>
+                          <a:spcPts val="0"/>
+                        </a:spcAft>
+                      </a:pPr>
+                      <a:r>
+                        <a:rPr lang="ru-RU" sz="1100" dirty="0" err="1">
+                          <a:effectLst/>
+                        </a:rPr>
+                        <a:t>Орумбаев</a:t>
+                      </a:r>
+                      <a:r>
+                        <a:rPr lang="ru-RU" sz="1100" dirty="0">
+                          <a:effectLst/>
+                        </a:rPr>
+                        <a:t> И.Н. - Финансовый Директор</a:t>
+                      </a:r>
+                      <a:endParaRPr lang="ru-RU" sz="1100" b="1" dirty="0">
+                        <a:effectLst/>
+                        <a:latin typeface="Arial" panose="020B0604020202020204" pitchFamily="34" charset="0"/>
+                        <a:ea typeface="SimSun" panose="02010600030101010101" pitchFamily="2" charset="-122"/>
+                        <a:cs typeface="Arial" panose="020B0604020202020204" pitchFamily="34" charset="0"/>
+                      </a:endParaRPr>
+                    </a:p>
+                  </a:txBody>
+                  <a:tcPr marL="48490" marR="48490" marT="0" marB="0" anchor="ctr"/>
+                </a:tc>
+                <a:tc>
+                  <a:txBody>
+                    <a:bodyPr/>
+                    <a:lstStyle/>
+                    <a:p>
+                      <a:pPr marL="128905" algn="ctr">
+                        <a:lnSpc>
+                          <a:spcPct val="115000"/>
+                        </a:lnSpc>
+                        <a:spcBef>
+                          <a:spcPts val="600"/>
+                        </a:spcBef>
+                        <a:spcAft>
+                          <a:spcPts val="600"/>
+                        </a:spcAft>
+                      </a:pPr>
+                      <a:r>
+                        <a:rPr lang="ru-RU" sz="1400" dirty="0">
+                          <a:effectLst/>
+                        </a:rPr>
+                        <a:t>Согласен с замечаниями</a:t>
+                      </a:r>
+                      <a:endParaRPr lang="ru-RU" sz="1400" b="1" dirty="0">
+                        <a:effectLst/>
+                        <a:latin typeface="Calibri" panose="020F0502020204030204" pitchFamily="34" charset="0"/>
+                        <a:ea typeface="Times New Roman" panose="02020603050405020304" pitchFamily="18" charset="0"/>
+                        <a:cs typeface="Arial" panose="020B0604020202020204" pitchFamily="34" charset="0"/>
+                      </a:endParaRPr>
+                    </a:p>
+                  </a:txBody>
+                  <a:tcPr marL="48490" marR="48490" marT="0" marB="0" anchor="ctr"/>
+                </a:tc>
+                <a:tc>
+                  <a:txBody>
+                    <a:bodyPr/>
+                    <a:lstStyle/>
+                    <a:p>
+                      <a:pPr marL="128905">
+                        <a:lnSpc>
+                          <a:spcPct val="115000"/>
+                        </a:lnSpc>
+                        <a:spcBef>
+                          <a:spcPts val="600"/>
+                        </a:spcBef>
+                        <a:spcAft>
+                          <a:spcPts val="600"/>
+                        </a:spcAft>
+                      </a:pPr>
+                      <a:r>
+                        <a:rPr lang="ru-RU" sz="1400" dirty="0">
+                          <a:effectLst/>
+                        </a:rPr>
+                        <a:t>Зачем изобретать велосипед? Ищите уже имеющиеся аналоги. Если будут запрашиваться инвестиции, то будем вероятно долго думать еще.</a:t>
+                      </a:r>
+                      <a:endParaRPr lang="ru-RU" sz="1400" b="1" dirty="0">
+                        <a:effectLst/>
+                        <a:latin typeface="Calibri" panose="020F0502020204030204" pitchFamily="34" charset="0"/>
+                        <a:ea typeface="Times New Roman" panose="02020603050405020304" pitchFamily="18" charset="0"/>
+                        <a:cs typeface="Arial" panose="020B0604020202020204" pitchFamily="34" charset="0"/>
+                      </a:endParaRPr>
+                    </a:p>
+                  </a:txBody>
+                  <a:tcPr marL="48490" marR="48490" marT="0" marB="0" anchor="ctr"/>
+                </a:tc>
+                <a:extLst>
+                  <a:ext uri="{0D108BD9-81ED-4DB2-BD59-A6C34878D82A}">
+                    <a16:rowId xmlns:a16="http://schemas.microsoft.com/office/drawing/2014/main" val="4230140887"/>
+                  </a:ext>
+                </a:extLst>
+              </a:tr>
+            </a:tbl>
+          </a:graphicData>
+        </a:graphic>
+      </p:graphicFrame>
+    </p:spTree>
+    <p:extLst>
+      <p:ext uri="{BB962C8B-B14F-4D97-AF65-F5344CB8AC3E}">
+        <p14:creationId xmlns:p14="http://schemas.microsoft.com/office/powerpoint/2010/main" val="805562804"/>
+      </p:ext>
+    </p:extLst>
+  </p:cSld>
+  <p:clrMapOvr>
+    <a:masterClrMapping/>
+  </p:clrMapOvr>
+</p:sld>
+</file>
+
+<file path=ppt/slides/slide3.xml><?xml version="1.0" encoding="utf-8"?>
 <p:sld xmlns:a="http://schemas.openxmlformats.org/drawingml/2006/main" xmlns:r="http://schemas.openxmlformats.org/officeDocument/2006/relationships" xmlns:p="http://schemas.openxmlformats.org/presentationml/2006/main">
   <p:cSld>
     <p:bg>
@@ -7265,7 +9629,7 @@
 </p:sld>
 </file>
 
-<file path=ppt/slides/slide3.xml><?xml version="1.0" encoding="utf-8"?>
+<file path=ppt/slides/slide4.xml><?xml version="1.0" encoding="utf-8"?>
 <p:sld xmlns:a="http://schemas.openxmlformats.org/drawingml/2006/main" xmlns:r="http://schemas.openxmlformats.org/officeDocument/2006/relationships" xmlns:p="http://schemas.openxmlformats.org/presentationml/2006/main">
   <p:cSld>
     <p:bg>
@@ -7578,591 +9942,6 @@
     <p:extLst>
       <p:ext uri="{BB962C8B-B14F-4D97-AF65-F5344CB8AC3E}">
         <p14:creationId xmlns:p14="http://schemas.microsoft.com/office/powerpoint/2010/main" val="3377054953"/>
-      </p:ext>
-    </p:extLst>
-  </p:cSld>
-  <p:clrMapOvr>
-    <a:masterClrMapping/>
-  </p:clrMapOvr>
-</p:sld>
-</file>
-
-<file path=ppt/slides/slide4.xml><?xml version="1.0" encoding="utf-8"?>
-<p:sld xmlns:a="http://schemas.openxmlformats.org/drawingml/2006/main" xmlns:r="http://schemas.openxmlformats.org/officeDocument/2006/relationships" xmlns:p="http://schemas.openxmlformats.org/presentationml/2006/main">
-  <p:cSld>
-    <p:bg>
-      <p:bgPr>
-        <a:solidFill>
-          <a:schemeClr val="accent2">
-            <a:lumMod val="60000"/>
-            <a:lumOff val="40000"/>
-          </a:schemeClr>
-        </a:solidFill>
-        <a:effectLst/>
-      </p:bgPr>
-    </p:bg>
-    <p:spTree>
-      <p:nvGrpSpPr>
-        <p:cNvPr id="1" name=""/>
-        <p:cNvGrpSpPr/>
-        <p:nvPr/>
-      </p:nvGrpSpPr>
-      <p:grpSpPr>
-        <a:xfrm>
-          <a:off x="0" y="0"/>
-          <a:ext cx="0" cy="0"/>
-          <a:chOff x="0" y="0"/>
-          <a:chExt cx="0" cy="0"/>
-        </a:xfrm>
-      </p:grpSpPr>
-      <p:sp>
-        <p:nvSpPr>
-          <p:cNvPr id="4" name="Прямоугольник: скругленные углы 3">
-            <a:extLst>
-              <a:ext uri="{FF2B5EF4-FFF2-40B4-BE49-F238E27FC236}">
-                <a16:creationId xmlns:a16="http://schemas.microsoft.com/office/drawing/2014/main" id="{40BBDD0B-1291-46BA-80D5-016359687F74}"/>
-              </a:ext>
-            </a:extLst>
-          </p:cNvPr>
-          <p:cNvSpPr/>
-          <p:nvPr/>
-        </p:nvSpPr>
-        <p:spPr>
-          <a:xfrm>
-            <a:off x="9345336" y="0"/>
-            <a:ext cx="2846664" cy="838899"/>
-          </a:xfrm>
-          <a:prstGeom prst="roundRect">
-            <a:avLst/>
-          </a:prstGeom>
-        </p:spPr>
-        <p:style>
-          <a:lnRef idx="2">
-            <a:schemeClr val="accent2"/>
-          </a:lnRef>
-          <a:fillRef idx="1">
-            <a:schemeClr val="lt1"/>
-          </a:fillRef>
-          <a:effectRef idx="0">
-            <a:schemeClr val="accent2"/>
-          </a:effectRef>
-          <a:fontRef idx="minor">
-            <a:schemeClr val="dk1"/>
-          </a:fontRef>
-        </p:style>
-        <p:txBody>
-          <a:bodyPr rtlCol="0" anchor="ctr"/>
-          <a:lstStyle/>
-          <a:p>
-            <a:r>
-              <a:rPr lang="ru-RU" sz="2800" b="1" dirty="0">
-                <a:effectLst>
-                  <a:outerShdw blurRad="38100" dist="38100" dir="2700000" algn="tl">
-                    <a:srgbClr val="000000">
-                      <a:alpha val="43137"/>
-                    </a:srgbClr>
-                  </a:outerShdw>
-                </a:effectLst>
-              </a:rPr>
-              <a:t>МОДУЛИ:</a:t>
-            </a:r>
-            <a:endParaRPr lang="ru-RU" sz="2000" dirty="0">
-              <a:effectLst/>
-              <a:latin typeface="Times New Roman" panose="02020603050405020304" pitchFamily="18" charset="0"/>
-              <a:ea typeface="Calibri" panose="020F0502020204030204" pitchFamily="34" charset="0"/>
-            </a:endParaRPr>
-          </a:p>
-        </p:txBody>
-      </p:sp>
-      <p:sp>
-        <p:nvSpPr>
-          <p:cNvPr id="8" name="Прямоугольник: скругленные углы 7">
-            <a:extLst>
-              <a:ext uri="{FF2B5EF4-FFF2-40B4-BE49-F238E27FC236}">
-                <a16:creationId xmlns:a16="http://schemas.microsoft.com/office/drawing/2014/main" id="{CEC2A295-8837-4CFE-9E81-9F808A14C7ED}"/>
-              </a:ext>
-            </a:extLst>
-          </p:cNvPr>
-          <p:cNvSpPr/>
-          <p:nvPr/>
-        </p:nvSpPr>
-        <p:spPr>
-          <a:xfrm>
-            <a:off x="0" y="419449"/>
-            <a:ext cx="8154099" cy="838899"/>
-          </a:xfrm>
-          <a:prstGeom prst="roundRect">
-            <a:avLst/>
-          </a:prstGeom>
-          <a:effectLst>
-            <a:outerShdw blurRad="50800" dist="38100" dir="2700000" algn="tl" rotWithShape="0">
-              <a:prstClr val="black">
-                <a:alpha val="40000"/>
-              </a:prstClr>
-            </a:outerShdw>
-          </a:effectLst>
-        </p:spPr>
-        <p:style>
-          <a:lnRef idx="2">
-            <a:schemeClr val="accent2"/>
-          </a:lnRef>
-          <a:fillRef idx="1">
-            <a:schemeClr val="lt1"/>
-          </a:fillRef>
-          <a:effectRef idx="0">
-            <a:schemeClr val="accent2"/>
-          </a:effectRef>
-          <a:fontRef idx="minor">
-            <a:schemeClr val="dk1"/>
-          </a:fontRef>
-        </p:style>
-        <p:txBody>
-          <a:bodyPr rtlCol="0" anchor="ctr"/>
-          <a:lstStyle/>
-          <a:p>
-            <a:r>
-              <a:rPr lang="ru-RU" sz="2000" b="1" dirty="0">
-                <a:effectLst>
-                  <a:outerShdw blurRad="38100" dist="38100" dir="2700000" algn="tl">
-                    <a:srgbClr val="000000">
-                      <a:alpha val="43137"/>
-                    </a:srgbClr>
-                  </a:outerShdw>
-                </a:effectLst>
-                <a:latin typeface="Times New Roman" panose="02020603050405020304" pitchFamily="18" charset="0"/>
-                <a:ea typeface="Calibri" panose="020F0502020204030204" pitchFamily="34" charset="0"/>
-              </a:rPr>
-              <a:t>Модуль 1: Личный кабинет. –</a:t>
-            </a:r>
-          </a:p>
-          <a:p>
-            <a:r>
-              <a:rPr lang="ru-RU" sz="1400" kern="1100" dirty="0">
-                <a:effectLst/>
-                <a:latin typeface="Times New Roman" panose="02020603050405020304" pitchFamily="18" charset="0"/>
-                <a:ea typeface="Times New Roman" panose="02020603050405020304" pitchFamily="18" charset="0"/>
-              </a:rPr>
-              <a:t>	Базовый функционал системы – регистрация, аутентификация, выход, основные и вспомогательные личные данные.</a:t>
-            </a:r>
-            <a:endParaRPr lang="ru-RU" sz="1400" dirty="0">
-              <a:effectLst/>
-              <a:latin typeface="Times New Roman" panose="02020603050405020304" pitchFamily="18" charset="0"/>
-              <a:ea typeface="Calibri" panose="020F0502020204030204" pitchFamily="34" charset="0"/>
-            </a:endParaRPr>
-          </a:p>
-        </p:txBody>
-      </p:sp>
-      <p:sp>
-        <p:nvSpPr>
-          <p:cNvPr id="5" name="Прямоугольник: скругленные углы 4">
-            <a:extLst>
-              <a:ext uri="{FF2B5EF4-FFF2-40B4-BE49-F238E27FC236}">
-                <a16:creationId xmlns:a16="http://schemas.microsoft.com/office/drawing/2014/main" id="{DE81AF18-0781-4C19-B1CA-6A7C9153D20B}"/>
-              </a:ext>
-            </a:extLst>
-          </p:cNvPr>
-          <p:cNvSpPr/>
-          <p:nvPr/>
-        </p:nvSpPr>
-        <p:spPr>
-          <a:xfrm>
-            <a:off x="335558" y="1318118"/>
-            <a:ext cx="8154099" cy="2137097"/>
-          </a:xfrm>
-          <a:prstGeom prst="roundRect">
-            <a:avLst/>
-          </a:prstGeom>
-          <a:effectLst>
-            <a:outerShdw blurRad="50800" dist="38100" dir="2700000" algn="tl" rotWithShape="0">
-              <a:prstClr val="black">
-                <a:alpha val="40000"/>
-              </a:prstClr>
-            </a:outerShdw>
-          </a:effectLst>
-        </p:spPr>
-        <p:style>
-          <a:lnRef idx="2">
-            <a:schemeClr val="accent2"/>
-          </a:lnRef>
-          <a:fillRef idx="1">
-            <a:schemeClr val="lt1"/>
-          </a:fillRef>
-          <a:effectRef idx="0">
-            <a:schemeClr val="accent2"/>
-          </a:effectRef>
-          <a:fontRef idx="minor">
-            <a:schemeClr val="dk1"/>
-          </a:fontRef>
-        </p:style>
-        <p:txBody>
-          <a:bodyPr rtlCol="0" anchor="ctr"/>
-          <a:lstStyle/>
-          <a:p>
-            <a:r>
-              <a:rPr lang="ru-RU" sz="2000" b="1" dirty="0">
-                <a:effectLst>
-                  <a:outerShdw blurRad="38100" dist="38100" dir="2700000" algn="tl">
-                    <a:srgbClr val="000000">
-                      <a:alpha val="43137"/>
-                    </a:srgbClr>
-                  </a:outerShdw>
-                </a:effectLst>
-                <a:latin typeface="Times New Roman" panose="02020603050405020304" pitchFamily="18" charset="0"/>
-                <a:ea typeface="Calibri" panose="020F0502020204030204" pitchFamily="34" charset="0"/>
-              </a:rPr>
-              <a:t>Модуль 2: Управление проектами. –</a:t>
-            </a:r>
-          </a:p>
-          <a:p>
-            <a:r>
-              <a:rPr lang="ru-RU" sz="1400" kern="1100" dirty="0">
-                <a:effectLst/>
-                <a:latin typeface="Times New Roman" panose="02020603050405020304" pitchFamily="18" charset="0"/>
-                <a:ea typeface="Times New Roman" panose="02020603050405020304" pitchFamily="18" charset="0"/>
-              </a:rPr>
-              <a:t>	</a:t>
-            </a:r>
-            <a:r>
-              <a:rPr lang="ru-RU" sz="1400" kern="1100" dirty="0">
-                <a:effectLst/>
-                <a:latin typeface="Times New Roman" panose="02020603050405020304" pitchFamily="18" charset="0"/>
-                <a:ea typeface="Times New Roman" panose="02020603050405020304" pitchFamily="18" charset="0"/>
-                <a:cs typeface="Times New Roman" panose="02020603050405020304" pitchFamily="18" charset="0"/>
-              </a:rPr>
-              <a:t>Добавление, чтение, изменение и удаление рационализаторских предложений – функционал добавления новых и модерации уже существующих рационализаторских предложений.</a:t>
-            </a:r>
-          </a:p>
-          <a:p>
-            <a:pPr indent="449580">
-              <a:spcAft>
-                <a:spcPts val="0"/>
-              </a:spcAft>
-            </a:pPr>
-            <a:r>
-              <a:rPr lang="ru-RU" sz="1400" kern="1100" dirty="0">
-                <a:effectLst/>
-                <a:latin typeface="Times New Roman" panose="02020603050405020304" pitchFamily="18" charset="0"/>
-                <a:ea typeface="Times New Roman" panose="02020603050405020304" pitchFamily="18" charset="0"/>
-                <a:cs typeface="Times New Roman" panose="02020603050405020304" pitchFamily="18" charset="0"/>
-              </a:rPr>
-              <a:t>Создание шаблонов рационализаторских предложений – несколько вариантов распространённых типов предложений.</a:t>
-            </a:r>
-            <a:endParaRPr lang="ru-RU" sz="1400" kern="1100" dirty="0">
-              <a:effectLst/>
-              <a:latin typeface="Arial Narrow" panose="020B0606020202030204" pitchFamily="34" charset="0"/>
-              <a:ea typeface="Times New Roman" panose="02020603050405020304" pitchFamily="18" charset="0"/>
-              <a:cs typeface="Times New Roman" panose="02020603050405020304" pitchFamily="18" charset="0"/>
-            </a:endParaRPr>
-          </a:p>
-          <a:p>
-            <a:pPr indent="449580">
-              <a:spcAft>
-                <a:spcPts val="0"/>
-              </a:spcAft>
-            </a:pPr>
-            <a:r>
-              <a:rPr lang="ru-RU" sz="1400" kern="1100" dirty="0">
-                <a:effectLst/>
-                <a:latin typeface="Times New Roman" panose="02020603050405020304" pitchFamily="18" charset="0"/>
-                <a:ea typeface="Times New Roman" panose="02020603050405020304" pitchFamily="18" charset="0"/>
-                <a:cs typeface="Times New Roman" panose="02020603050405020304" pitchFamily="18" charset="0"/>
-              </a:rPr>
-              <a:t>Комментирование, модерация и рейтинг – инструменты коммуникаций между участниками и реализаторами разных рационализаторских предложений, отметки участников.</a:t>
-            </a:r>
-            <a:endParaRPr lang="ru-RU" sz="1400" kern="1100" dirty="0">
-              <a:effectLst/>
-              <a:latin typeface="Arial Narrow" panose="020B0606020202030204" pitchFamily="34" charset="0"/>
-              <a:ea typeface="Times New Roman" panose="02020603050405020304" pitchFamily="18" charset="0"/>
-              <a:cs typeface="Times New Roman" panose="02020603050405020304" pitchFamily="18" charset="0"/>
-            </a:endParaRPr>
-          </a:p>
-          <a:p>
-            <a:pPr indent="449580">
-              <a:spcAft>
-                <a:spcPts val="0"/>
-              </a:spcAft>
-            </a:pPr>
-            <a:r>
-              <a:rPr lang="ru-RU" sz="1400" kern="1100" dirty="0">
-                <a:effectLst/>
-                <a:latin typeface="Times New Roman" panose="02020603050405020304" pitchFamily="18" charset="0"/>
-                <a:ea typeface="Times New Roman" panose="02020603050405020304" pitchFamily="18" charset="0"/>
-                <a:cs typeface="Times New Roman" panose="02020603050405020304" pitchFamily="18" charset="0"/>
-              </a:rPr>
-              <a:t>Списки лидеров и зал славы, глобальные рейтинги участников, система оценок и поощрений – нематериальная мотивационная деятельность.</a:t>
-            </a:r>
-            <a:endParaRPr lang="ru-RU" sz="1400" kern="1100" dirty="0">
-              <a:effectLst/>
-              <a:latin typeface="Arial Narrow" panose="020B0606020202030204" pitchFamily="34" charset="0"/>
-              <a:ea typeface="Times New Roman" panose="02020603050405020304" pitchFamily="18" charset="0"/>
-              <a:cs typeface="Times New Roman" panose="02020603050405020304" pitchFamily="18" charset="0"/>
-            </a:endParaRPr>
-          </a:p>
-        </p:txBody>
-      </p:sp>
-      <p:sp>
-        <p:nvSpPr>
-          <p:cNvPr id="6" name="Прямоугольник: скругленные углы 5">
-            <a:extLst>
-              <a:ext uri="{FF2B5EF4-FFF2-40B4-BE49-F238E27FC236}">
-                <a16:creationId xmlns:a16="http://schemas.microsoft.com/office/drawing/2014/main" id="{BBE2C950-433F-43F6-9B5C-7FE346BDE4B6}"/>
-              </a:ext>
-            </a:extLst>
-          </p:cNvPr>
-          <p:cNvSpPr/>
-          <p:nvPr/>
-        </p:nvSpPr>
-        <p:spPr>
-          <a:xfrm>
-            <a:off x="679506" y="3514985"/>
-            <a:ext cx="8154100" cy="887137"/>
-          </a:xfrm>
-          <a:prstGeom prst="roundRect">
-            <a:avLst/>
-          </a:prstGeom>
-          <a:effectLst>
-            <a:outerShdw blurRad="50800" dist="38100" dir="2700000" algn="tl" rotWithShape="0">
-              <a:prstClr val="black">
-                <a:alpha val="40000"/>
-              </a:prstClr>
-            </a:outerShdw>
-          </a:effectLst>
-        </p:spPr>
-        <p:style>
-          <a:lnRef idx="2">
-            <a:schemeClr val="accent2"/>
-          </a:lnRef>
-          <a:fillRef idx="1">
-            <a:schemeClr val="lt1"/>
-          </a:fillRef>
-          <a:effectRef idx="0">
-            <a:schemeClr val="accent2"/>
-          </a:effectRef>
-          <a:fontRef idx="minor">
-            <a:schemeClr val="dk1"/>
-          </a:fontRef>
-        </p:style>
-        <p:txBody>
-          <a:bodyPr rtlCol="0" anchor="ctr"/>
-          <a:lstStyle/>
-          <a:p>
-            <a:r>
-              <a:rPr lang="ru-RU" sz="2000" b="1" dirty="0">
-                <a:effectLst>
-                  <a:outerShdw blurRad="38100" dist="38100" dir="2700000" algn="tl">
-                    <a:srgbClr val="000000">
-                      <a:alpha val="43137"/>
-                    </a:srgbClr>
-                  </a:outerShdw>
-                </a:effectLst>
-                <a:latin typeface="Times New Roman" panose="02020603050405020304" pitchFamily="18" charset="0"/>
-                <a:ea typeface="Calibri" panose="020F0502020204030204" pitchFamily="34" charset="0"/>
-              </a:rPr>
-              <a:t>Модуль 3: Бережливое производство. –</a:t>
-            </a:r>
-          </a:p>
-          <a:p>
-            <a:r>
-              <a:rPr lang="ru-RU" sz="1400" kern="1100" dirty="0">
-                <a:effectLst/>
-                <a:latin typeface="Times New Roman" panose="02020603050405020304" pitchFamily="18" charset="0"/>
-                <a:ea typeface="Times New Roman" panose="02020603050405020304" pitchFamily="18" charset="0"/>
-              </a:rPr>
-              <a:t>	Расширенный и модифицированный функционал под другой тип шаблонов: рационализаторская деятельность отличается от проектной.</a:t>
-            </a:r>
-            <a:endParaRPr lang="ru-RU" sz="1400" dirty="0">
-              <a:effectLst/>
-              <a:latin typeface="Times New Roman" panose="02020603050405020304" pitchFamily="18" charset="0"/>
-              <a:ea typeface="Calibri" panose="020F0502020204030204" pitchFamily="34" charset="0"/>
-            </a:endParaRPr>
-          </a:p>
-        </p:txBody>
-      </p:sp>
-      <p:sp>
-        <p:nvSpPr>
-          <p:cNvPr id="7" name="Прямоугольник: скругленные углы 6">
-            <a:extLst>
-              <a:ext uri="{FF2B5EF4-FFF2-40B4-BE49-F238E27FC236}">
-                <a16:creationId xmlns:a16="http://schemas.microsoft.com/office/drawing/2014/main" id="{5A4C0AFF-4EDC-48AE-808C-B14D650A82EC}"/>
-              </a:ext>
-            </a:extLst>
-          </p:cNvPr>
-          <p:cNvSpPr/>
-          <p:nvPr/>
-        </p:nvSpPr>
-        <p:spPr>
-          <a:xfrm>
-            <a:off x="3693951" y="4604507"/>
-            <a:ext cx="8154100" cy="887137"/>
-          </a:xfrm>
-          <a:prstGeom prst="roundRect">
-            <a:avLst/>
-          </a:prstGeom>
-          <a:solidFill>
-            <a:schemeClr val="bg1">
-              <a:lumMod val="85000"/>
-            </a:schemeClr>
-          </a:solidFill>
-          <a:effectLst>
-            <a:innerShdw blurRad="114300">
-              <a:prstClr val="black"/>
-            </a:innerShdw>
-          </a:effectLst>
-        </p:spPr>
-        <p:style>
-          <a:lnRef idx="2">
-            <a:schemeClr val="accent2"/>
-          </a:lnRef>
-          <a:fillRef idx="1">
-            <a:schemeClr val="lt1"/>
-          </a:fillRef>
-          <a:effectRef idx="0">
-            <a:schemeClr val="accent2"/>
-          </a:effectRef>
-          <a:fontRef idx="minor">
-            <a:schemeClr val="dk1"/>
-          </a:fontRef>
-        </p:style>
-        <p:txBody>
-          <a:bodyPr rtlCol="0" anchor="ctr"/>
-          <a:lstStyle/>
-          <a:p>
-            <a:r>
-              <a:rPr lang="ru-RU" sz="2000" b="1" dirty="0">
-                <a:effectLst>
-                  <a:outerShdw blurRad="38100" dist="38100" dir="2700000" algn="tl">
-                    <a:srgbClr val="000000">
-                      <a:alpha val="43137"/>
-                    </a:srgbClr>
-                  </a:outerShdw>
-                </a:effectLst>
-                <a:latin typeface="Times New Roman" panose="02020603050405020304" pitchFamily="18" charset="0"/>
-                <a:ea typeface="Calibri" panose="020F0502020204030204" pitchFamily="34" charset="0"/>
-              </a:rPr>
-              <a:t>Модуль ???: Бухгалтерия. –</a:t>
-            </a:r>
-          </a:p>
-          <a:p>
-            <a:r>
-              <a:rPr lang="ru-RU" sz="1400" kern="1100" dirty="0">
-                <a:effectLst/>
-                <a:latin typeface="Times New Roman" panose="02020603050405020304" pitchFamily="18" charset="0"/>
-                <a:ea typeface="Times New Roman" panose="02020603050405020304" pitchFamily="18" charset="0"/>
-              </a:rPr>
-              <a:t>	Выгрузка расчётного листка за выбранный период.</a:t>
-            </a:r>
-            <a:endParaRPr lang="ru-RU" sz="1400" dirty="0">
-              <a:effectLst/>
-              <a:latin typeface="Times New Roman" panose="02020603050405020304" pitchFamily="18" charset="0"/>
-              <a:ea typeface="Calibri" panose="020F0502020204030204" pitchFamily="34" charset="0"/>
-            </a:endParaRPr>
-          </a:p>
-        </p:txBody>
-      </p:sp>
-      <p:sp>
-        <p:nvSpPr>
-          <p:cNvPr id="9" name="Прямоугольник: скругленные углы 8">
-            <a:extLst>
-              <a:ext uri="{FF2B5EF4-FFF2-40B4-BE49-F238E27FC236}">
-                <a16:creationId xmlns:a16="http://schemas.microsoft.com/office/drawing/2014/main" id="{D427256B-AE63-401D-ADD3-E53CEB6EC94F}"/>
-              </a:ext>
-            </a:extLst>
-          </p:cNvPr>
-          <p:cNvSpPr/>
-          <p:nvPr/>
-        </p:nvSpPr>
-        <p:spPr>
-          <a:xfrm>
-            <a:off x="4037900" y="5539882"/>
-            <a:ext cx="8154100" cy="1318119"/>
-          </a:xfrm>
-          <a:prstGeom prst="roundRect">
-            <a:avLst/>
-          </a:prstGeom>
-          <a:solidFill>
-            <a:schemeClr val="bg1">
-              <a:lumMod val="85000"/>
-            </a:schemeClr>
-          </a:solidFill>
-          <a:effectLst>
-            <a:innerShdw blurRad="114300">
-              <a:prstClr val="black"/>
-            </a:innerShdw>
-          </a:effectLst>
-        </p:spPr>
-        <p:style>
-          <a:lnRef idx="2">
-            <a:schemeClr val="accent2"/>
-          </a:lnRef>
-          <a:fillRef idx="1">
-            <a:schemeClr val="lt1"/>
-          </a:fillRef>
-          <a:effectRef idx="0">
-            <a:schemeClr val="accent2"/>
-          </a:effectRef>
-          <a:fontRef idx="minor">
-            <a:schemeClr val="dk1"/>
-          </a:fontRef>
-        </p:style>
-        <p:txBody>
-          <a:bodyPr rtlCol="0" anchor="ctr"/>
-          <a:lstStyle/>
-          <a:p>
-            <a:r>
-              <a:rPr lang="ru-RU" sz="2400" b="1" dirty="0">
-                <a:effectLst>
-                  <a:outerShdw blurRad="38100" dist="38100" dir="2700000" algn="tl">
-                    <a:srgbClr val="000000">
-                      <a:alpha val="43137"/>
-                    </a:srgbClr>
-                  </a:outerShdw>
-                </a:effectLst>
-                <a:latin typeface="Times New Roman" panose="02020603050405020304" pitchFamily="18" charset="0"/>
-                <a:ea typeface="Calibri" panose="020F0502020204030204" pitchFamily="34" charset="0"/>
-              </a:rPr>
-              <a:t>Модуль ???: Служба Управления Персоналом. –</a:t>
-            </a:r>
-          </a:p>
-          <a:p>
-            <a:r>
-              <a:rPr lang="ru-RU" sz="1600" kern="1100" dirty="0">
-                <a:effectLst/>
-                <a:latin typeface="Times New Roman" panose="02020603050405020304" pitchFamily="18" charset="0"/>
-                <a:ea typeface="Times New Roman" panose="02020603050405020304" pitchFamily="18" charset="0"/>
-              </a:rPr>
-              <a:t>	Отдел кадров: вакансии на предприятии и выгрузка отпусков.</a:t>
-            </a:r>
-          </a:p>
-          <a:p>
-            <a:r>
-              <a:rPr lang="ru-RU" sz="1600" kern="1100" dirty="0">
-                <a:latin typeface="Times New Roman" panose="02020603050405020304" pitchFamily="18" charset="0"/>
-                <a:ea typeface="Calibri" panose="020F0502020204030204" pitchFamily="34" charset="0"/>
-              </a:rPr>
-              <a:t>	Отдел мотивации: подача заявок на социальные услуги.</a:t>
-            </a:r>
-          </a:p>
-          <a:p>
-            <a:r>
-              <a:rPr lang="ru-RU" sz="1600" kern="1100" dirty="0">
-                <a:effectLst/>
-                <a:latin typeface="Times New Roman" panose="02020603050405020304" pitchFamily="18" charset="0"/>
-                <a:ea typeface="Calibri" panose="020F0502020204030204" pitchFamily="34" charset="0"/>
-              </a:rPr>
-              <a:t>	Учебный Центр: открытые курсы для обучения.</a:t>
-            </a:r>
-            <a:endParaRPr lang="ru-RU" sz="1600" dirty="0">
-              <a:effectLst/>
-              <a:latin typeface="Times New Roman" panose="02020603050405020304" pitchFamily="18" charset="0"/>
-              <a:ea typeface="Calibri" panose="020F0502020204030204" pitchFamily="34" charset="0"/>
-            </a:endParaRPr>
-          </a:p>
-        </p:txBody>
-      </p:sp>
-    </p:spTree>
-    <p:extLst>
-      <p:ext uri="{BB962C8B-B14F-4D97-AF65-F5344CB8AC3E}">
-        <p14:creationId xmlns:p14="http://schemas.microsoft.com/office/powerpoint/2010/main" val="1406224688"/>
       </p:ext>
     </p:extLst>
   </p:cSld>
@@ -8636,7 +10415,7 @@
             <a:pPr algn="ctr"/>
             <a:r>
               <a:rPr lang="ru-RU" dirty="0"/>
-              <a:t>Перед реализацией проекта было отправлено техническое задание и запрос на создание подобной веб-платформы от компаний на рынке Казахстана, </a:t>
+              <a:t>Перед рассмотрением проекта было отправлено техническое задание и запрос на создание подобной веб-платформы от компаний на рынке Казахстана, </a:t>
             </a:r>
           </a:p>
           <a:p>
@@ -8662,6 +10441,591 @@
 </file>
 
 <file path=ppt/slides/slide6.xml><?xml version="1.0" encoding="utf-8"?>
+<p:sld xmlns:a="http://schemas.openxmlformats.org/drawingml/2006/main" xmlns:r="http://schemas.openxmlformats.org/officeDocument/2006/relationships" xmlns:p="http://schemas.openxmlformats.org/presentationml/2006/main">
+  <p:cSld>
+    <p:bg>
+      <p:bgPr>
+        <a:solidFill>
+          <a:schemeClr val="accent2">
+            <a:lumMod val="60000"/>
+            <a:lumOff val="40000"/>
+          </a:schemeClr>
+        </a:solidFill>
+        <a:effectLst/>
+      </p:bgPr>
+    </p:bg>
+    <p:spTree>
+      <p:nvGrpSpPr>
+        <p:cNvPr id="1" name=""/>
+        <p:cNvGrpSpPr/>
+        <p:nvPr/>
+      </p:nvGrpSpPr>
+      <p:grpSpPr>
+        <a:xfrm>
+          <a:off x="0" y="0"/>
+          <a:ext cx="0" cy="0"/>
+          <a:chOff x="0" y="0"/>
+          <a:chExt cx="0" cy="0"/>
+        </a:xfrm>
+      </p:grpSpPr>
+      <p:sp>
+        <p:nvSpPr>
+          <p:cNvPr id="4" name="Прямоугольник: скругленные углы 3">
+            <a:extLst>
+              <a:ext uri="{FF2B5EF4-FFF2-40B4-BE49-F238E27FC236}">
+                <a16:creationId xmlns:a16="http://schemas.microsoft.com/office/drawing/2014/main" id="{40BBDD0B-1291-46BA-80D5-016359687F74}"/>
+              </a:ext>
+            </a:extLst>
+          </p:cNvPr>
+          <p:cNvSpPr/>
+          <p:nvPr/>
+        </p:nvSpPr>
+        <p:spPr>
+          <a:xfrm>
+            <a:off x="9345336" y="0"/>
+            <a:ext cx="2846664" cy="838899"/>
+          </a:xfrm>
+          <a:prstGeom prst="roundRect">
+            <a:avLst/>
+          </a:prstGeom>
+        </p:spPr>
+        <p:style>
+          <a:lnRef idx="2">
+            <a:schemeClr val="accent2"/>
+          </a:lnRef>
+          <a:fillRef idx="1">
+            <a:schemeClr val="lt1"/>
+          </a:fillRef>
+          <a:effectRef idx="0">
+            <a:schemeClr val="accent2"/>
+          </a:effectRef>
+          <a:fontRef idx="minor">
+            <a:schemeClr val="dk1"/>
+          </a:fontRef>
+        </p:style>
+        <p:txBody>
+          <a:bodyPr rtlCol="0" anchor="ctr"/>
+          <a:lstStyle/>
+          <a:p>
+            <a:r>
+              <a:rPr lang="ru-RU" sz="2800" b="1" dirty="0">
+                <a:effectLst>
+                  <a:outerShdw blurRad="38100" dist="38100" dir="2700000" algn="tl">
+                    <a:srgbClr val="000000">
+                      <a:alpha val="43137"/>
+                    </a:srgbClr>
+                  </a:outerShdw>
+                </a:effectLst>
+              </a:rPr>
+              <a:t>МОДУЛИ:</a:t>
+            </a:r>
+            <a:endParaRPr lang="ru-RU" sz="2000" dirty="0">
+              <a:effectLst/>
+              <a:latin typeface="Times New Roman" panose="02020603050405020304" pitchFamily="18" charset="0"/>
+              <a:ea typeface="Calibri" panose="020F0502020204030204" pitchFamily="34" charset="0"/>
+            </a:endParaRPr>
+          </a:p>
+        </p:txBody>
+      </p:sp>
+      <p:sp>
+        <p:nvSpPr>
+          <p:cNvPr id="8" name="Прямоугольник: скругленные углы 7">
+            <a:extLst>
+              <a:ext uri="{FF2B5EF4-FFF2-40B4-BE49-F238E27FC236}">
+                <a16:creationId xmlns:a16="http://schemas.microsoft.com/office/drawing/2014/main" id="{CEC2A295-8837-4CFE-9E81-9F808A14C7ED}"/>
+              </a:ext>
+            </a:extLst>
+          </p:cNvPr>
+          <p:cNvSpPr/>
+          <p:nvPr/>
+        </p:nvSpPr>
+        <p:spPr>
+          <a:xfrm>
+            <a:off x="0" y="419449"/>
+            <a:ext cx="8154099" cy="838899"/>
+          </a:xfrm>
+          <a:prstGeom prst="roundRect">
+            <a:avLst/>
+          </a:prstGeom>
+          <a:effectLst>
+            <a:outerShdw blurRad="50800" dist="38100" dir="2700000" algn="tl" rotWithShape="0">
+              <a:prstClr val="black">
+                <a:alpha val="40000"/>
+              </a:prstClr>
+            </a:outerShdw>
+          </a:effectLst>
+        </p:spPr>
+        <p:style>
+          <a:lnRef idx="2">
+            <a:schemeClr val="accent2"/>
+          </a:lnRef>
+          <a:fillRef idx="1">
+            <a:schemeClr val="lt1"/>
+          </a:fillRef>
+          <a:effectRef idx="0">
+            <a:schemeClr val="accent2"/>
+          </a:effectRef>
+          <a:fontRef idx="minor">
+            <a:schemeClr val="dk1"/>
+          </a:fontRef>
+        </p:style>
+        <p:txBody>
+          <a:bodyPr rtlCol="0" anchor="ctr"/>
+          <a:lstStyle/>
+          <a:p>
+            <a:r>
+              <a:rPr lang="ru-RU" sz="2000" b="1" dirty="0">
+                <a:effectLst>
+                  <a:outerShdw blurRad="38100" dist="38100" dir="2700000" algn="tl">
+                    <a:srgbClr val="000000">
+                      <a:alpha val="43137"/>
+                    </a:srgbClr>
+                  </a:outerShdw>
+                </a:effectLst>
+                <a:latin typeface="Times New Roman" panose="02020603050405020304" pitchFamily="18" charset="0"/>
+                <a:ea typeface="Calibri" panose="020F0502020204030204" pitchFamily="34" charset="0"/>
+              </a:rPr>
+              <a:t>Модуль 1: Личный кабинет. –</a:t>
+            </a:r>
+          </a:p>
+          <a:p>
+            <a:r>
+              <a:rPr lang="ru-RU" sz="1400" kern="1100" dirty="0">
+                <a:effectLst/>
+                <a:latin typeface="Times New Roman" panose="02020603050405020304" pitchFamily="18" charset="0"/>
+                <a:ea typeface="Times New Roman" panose="02020603050405020304" pitchFamily="18" charset="0"/>
+              </a:rPr>
+              <a:t>	Базовый функционал системы – регистрация, аутентификация, выход, основные и вспомогательные личные данные.</a:t>
+            </a:r>
+            <a:endParaRPr lang="ru-RU" sz="1400" dirty="0">
+              <a:effectLst/>
+              <a:latin typeface="Times New Roman" panose="02020603050405020304" pitchFamily="18" charset="0"/>
+              <a:ea typeface="Calibri" panose="020F0502020204030204" pitchFamily="34" charset="0"/>
+            </a:endParaRPr>
+          </a:p>
+        </p:txBody>
+      </p:sp>
+      <p:sp>
+        <p:nvSpPr>
+          <p:cNvPr id="5" name="Прямоугольник: скругленные углы 4">
+            <a:extLst>
+              <a:ext uri="{FF2B5EF4-FFF2-40B4-BE49-F238E27FC236}">
+                <a16:creationId xmlns:a16="http://schemas.microsoft.com/office/drawing/2014/main" id="{DE81AF18-0781-4C19-B1CA-6A7C9153D20B}"/>
+              </a:ext>
+            </a:extLst>
+          </p:cNvPr>
+          <p:cNvSpPr/>
+          <p:nvPr/>
+        </p:nvSpPr>
+        <p:spPr>
+          <a:xfrm>
+            <a:off x="335558" y="1318118"/>
+            <a:ext cx="8154099" cy="2137097"/>
+          </a:xfrm>
+          <a:prstGeom prst="roundRect">
+            <a:avLst/>
+          </a:prstGeom>
+          <a:effectLst>
+            <a:outerShdw blurRad="50800" dist="38100" dir="2700000" algn="tl" rotWithShape="0">
+              <a:prstClr val="black">
+                <a:alpha val="40000"/>
+              </a:prstClr>
+            </a:outerShdw>
+          </a:effectLst>
+        </p:spPr>
+        <p:style>
+          <a:lnRef idx="2">
+            <a:schemeClr val="accent2"/>
+          </a:lnRef>
+          <a:fillRef idx="1">
+            <a:schemeClr val="lt1"/>
+          </a:fillRef>
+          <a:effectRef idx="0">
+            <a:schemeClr val="accent2"/>
+          </a:effectRef>
+          <a:fontRef idx="minor">
+            <a:schemeClr val="dk1"/>
+          </a:fontRef>
+        </p:style>
+        <p:txBody>
+          <a:bodyPr rtlCol="0" anchor="ctr"/>
+          <a:lstStyle/>
+          <a:p>
+            <a:r>
+              <a:rPr lang="ru-RU" sz="2000" b="1" dirty="0">
+                <a:effectLst>
+                  <a:outerShdw blurRad="38100" dist="38100" dir="2700000" algn="tl">
+                    <a:srgbClr val="000000">
+                      <a:alpha val="43137"/>
+                    </a:srgbClr>
+                  </a:outerShdw>
+                </a:effectLst>
+                <a:latin typeface="Times New Roman" panose="02020603050405020304" pitchFamily="18" charset="0"/>
+                <a:ea typeface="Calibri" panose="020F0502020204030204" pitchFamily="34" charset="0"/>
+              </a:rPr>
+              <a:t>Модуль 2: Управление проектами. –</a:t>
+            </a:r>
+          </a:p>
+          <a:p>
+            <a:r>
+              <a:rPr lang="ru-RU" sz="1400" kern="1100" dirty="0">
+                <a:effectLst/>
+                <a:latin typeface="Times New Roman" panose="02020603050405020304" pitchFamily="18" charset="0"/>
+                <a:ea typeface="Times New Roman" panose="02020603050405020304" pitchFamily="18" charset="0"/>
+              </a:rPr>
+              <a:t>	</a:t>
+            </a:r>
+            <a:r>
+              <a:rPr lang="ru-RU" sz="1400" kern="1100" dirty="0">
+                <a:effectLst/>
+                <a:latin typeface="Times New Roman" panose="02020603050405020304" pitchFamily="18" charset="0"/>
+                <a:ea typeface="Times New Roman" panose="02020603050405020304" pitchFamily="18" charset="0"/>
+                <a:cs typeface="Times New Roman" panose="02020603050405020304" pitchFamily="18" charset="0"/>
+              </a:rPr>
+              <a:t>Добавление, чтение, изменение и удаление рационализаторских предложений – функционал добавления новых и модерации уже существующих рационализаторских предложений.</a:t>
+            </a:r>
+          </a:p>
+          <a:p>
+            <a:pPr indent="449580">
+              <a:spcAft>
+                <a:spcPts val="0"/>
+              </a:spcAft>
+            </a:pPr>
+            <a:r>
+              <a:rPr lang="ru-RU" sz="1400" kern="1100" dirty="0">
+                <a:effectLst/>
+                <a:latin typeface="Times New Roman" panose="02020603050405020304" pitchFamily="18" charset="0"/>
+                <a:ea typeface="Times New Roman" panose="02020603050405020304" pitchFamily="18" charset="0"/>
+                <a:cs typeface="Times New Roman" panose="02020603050405020304" pitchFamily="18" charset="0"/>
+              </a:rPr>
+              <a:t>Создание шаблонов рационализаторских предложений – несколько вариантов распространённых типов предложений.</a:t>
+            </a:r>
+            <a:endParaRPr lang="ru-RU" sz="1400" kern="1100" dirty="0">
+              <a:effectLst/>
+              <a:latin typeface="Arial Narrow" panose="020B0606020202030204" pitchFamily="34" charset="0"/>
+              <a:ea typeface="Times New Roman" panose="02020603050405020304" pitchFamily="18" charset="0"/>
+              <a:cs typeface="Times New Roman" panose="02020603050405020304" pitchFamily="18" charset="0"/>
+            </a:endParaRPr>
+          </a:p>
+          <a:p>
+            <a:pPr indent="449580">
+              <a:spcAft>
+                <a:spcPts val="0"/>
+              </a:spcAft>
+            </a:pPr>
+            <a:r>
+              <a:rPr lang="ru-RU" sz="1400" kern="1100" dirty="0">
+                <a:effectLst/>
+                <a:latin typeface="Times New Roman" panose="02020603050405020304" pitchFamily="18" charset="0"/>
+                <a:ea typeface="Times New Roman" panose="02020603050405020304" pitchFamily="18" charset="0"/>
+                <a:cs typeface="Times New Roman" panose="02020603050405020304" pitchFamily="18" charset="0"/>
+              </a:rPr>
+              <a:t>Комментирование, модерация и рейтинг – инструменты коммуникаций между участниками и реализаторами разных рационализаторских предложений, отметки участников.</a:t>
+            </a:r>
+            <a:endParaRPr lang="ru-RU" sz="1400" kern="1100" dirty="0">
+              <a:effectLst/>
+              <a:latin typeface="Arial Narrow" panose="020B0606020202030204" pitchFamily="34" charset="0"/>
+              <a:ea typeface="Times New Roman" panose="02020603050405020304" pitchFamily="18" charset="0"/>
+              <a:cs typeface="Times New Roman" panose="02020603050405020304" pitchFamily="18" charset="0"/>
+            </a:endParaRPr>
+          </a:p>
+          <a:p>
+            <a:pPr indent="449580">
+              <a:spcAft>
+                <a:spcPts val="0"/>
+              </a:spcAft>
+            </a:pPr>
+            <a:r>
+              <a:rPr lang="ru-RU" sz="1400" kern="1100" dirty="0">
+                <a:effectLst/>
+                <a:latin typeface="Times New Roman" panose="02020603050405020304" pitchFamily="18" charset="0"/>
+                <a:ea typeface="Times New Roman" panose="02020603050405020304" pitchFamily="18" charset="0"/>
+                <a:cs typeface="Times New Roman" panose="02020603050405020304" pitchFamily="18" charset="0"/>
+              </a:rPr>
+              <a:t>Списки лидеров и зал славы, глобальные рейтинги участников, система оценок и поощрений – нематериальная мотивационная деятельность.</a:t>
+            </a:r>
+            <a:endParaRPr lang="ru-RU" sz="1400" kern="1100" dirty="0">
+              <a:effectLst/>
+              <a:latin typeface="Arial Narrow" panose="020B0606020202030204" pitchFamily="34" charset="0"/>
+              <a:ea typeface="Times New Roman" panose="02020603050405020304" pitchFamily="18" charset="0"/>
+              <a:cs typeface="Times New Roman" panose="02020603050405020304" pitchFamily="18" charset="0"/>
+            </a:endParaRPr>
+          </a:p>
+        </p:txBody>
+      </p:sp>
+      <p:sp>
+        <p:nvSpPr>
+          <p:cNvPr id="6" name="Прямоугольник: скругленные углы 5">
+            <a:extLst>
+              <a:ext uri="{FF2B5EF4-FFF2-40B4-BE49-F238E27FC236}">
+                <a16:creationId xmlns:a16="http://schemas.microsoft.com/office/drawing/2014/main" id="{BBE2C950-433F-43F6-9B5C-7FE346BDE4B6}"/>
+              </a:ext>
+            </a:extLst>
+          </p:cNvPr>
+          <p:cNvSpPr/>
+          <p:nvPr/>
+        </p:nvSpPr>
+        <p:spPr>
+          <a:xfrm>
+            <a:off x="679506" y="3514985"/>
+            <a:ext cx="8154100" cy="887137"/>
+          </a:xfrm>
+          <a:prstGeom prst="roundRect">
+            <a:avLst/>
+          </a:prstGeom>
+          <a:effectLst>
+            <a:outerShdw blurRad="50800" dist="38100" dir="2700000" algn="tl" rotWithShape="0">
+              <a:prstClr val="black">
+                <a:alpha val="40000"/>
+              </a:prstClr>
+            </a:outerShdw>
+          </a:effectLst>
+        </p:spPr>
+        <p:style>
+          <a:lnRef idx="2">
+            <a:schemeClr val="accent2"/>
+          </a:lnRef>
+          <a:fillRef idx="1">
+            <a:schemeClr val="lt1"/>
+          </a:fillRef>
+          <a:effectRef idx="0">
+            <a:schemeClr val="accent2"/>
+          </a:effectRef>
+          <a:fontRef idx="minor">
+            <a:schemeClr val="dk1"/>
+          </a:fontRef>
+        </p:style>
+        <p:txBody>
+          <a:bodyPr rtlCol="0" anchor="ctr"/>
+          <a:lstStyle/>
+          <a:p>
+            <a:r>
+              <a:rPr lang="ru-RU" sz="2000" b="1" dirty="0">
+                <a:effectLst>
+                  <a:outerShdw blurRad="38100" dist="38100" dir="2700000" algn="tl">
+                    <a:srgbClr val="000000">
+                      <a:alpha val="43137"/>
+                    </a:srgbClr>
+                  </a:outerShdw>
+                </a:effectLst>
+                <a:latin typeface="Times New Roman" panose="02020603050405020304" pitchFamily="18" charset="0"/>
+                <a:ea typeface="Calibri" panose="020F0502020204030204" pitchFamily="34" charset="0"/>
+              </a:rPr>
+              <a:t>Модуль 3: Бережливое производство. –</a:t>
+            </a:r>
+          </a:p>
+          <a:p>
+            <a:r>
+              <a:rPr lang="ru-RU" sz="1400" kern="1100" dirty="0">
+                <a:effectLst/>
+                <a:latin typeface="Times New Roman" panose="02020603050405020304" pitchFamily="18" charset="0"/>
+                <a:ea typeface="Times New Roman" panose="02020603050405020304" pitchFamily="18" charset="0"/>
+              </a:rPr>
+              <a:t>	Расширенный и модифицированный функционал под другой тип шаблонов: рационализаторская деятельность отличается от проектной.</a:t>
+            </a:r>
+            <a:endParaRPr lang="ru-RU" sz="1400" dirty="0">
+              <a:effectLst/>
+              <a:latin typeface="Times New Roman" panose="02020603050405020304" pitchFamily="18" charset="0"/>
+              <a:ea typeface="Calibri" panose="020F0502020204030204" pitchFamily="34" charset="0"/>
+            </a:endParaRPr>
+          </a:p>
+        </p:txBody>
+      </p:sp>
+      <p:sp>
+        <p:nvSpPr>
+          <p:cNvPr id="7" name="Прямоугольник: скругленные углы 6">
+            <a:extLst>
+              <a:ext uri="{FF2B5EF4-FFF2-40B4-BE49-F238E27FC236}">
+                <a16:creationId xmlns:a16="http://schemas.microsoft.com/office/drawing/2014/main" id="{5A4C0AFF-4EDC-48AE-808C-B14D650A82EC}"/>
+              </a:ext>
+            </a:extLst>
+          </p:cNvPr>
+          <p:cNvSpPr/>
+          <p:nvPr/>
+        </p:nvSpPr>
+        <p:spPr>
+          <a:xfrm>
+            <a:off x="3693951" y="4604507"/>
+            <a:ext cx="8154100" cy="887137"/>
+          </a:xfrm>
+          <a:prstGeom prst="roundRect">
+            <a:avLst/>
+          </a:prstGeom>
+          <a:solidFill>
+            <a:schemeClr val="bg1">
+              <a:lumMod val="85000"/>
+            </a:schemeClr>
+          </a:solidFill>
+          <a:effectLst>
+            <a:innerShdw blurRad="114300">
+              <a:prstClr val="black"/>
+            </a:innerShdw>
+          </a:effectLst>
+        </p:spPr>
+        <p:style>
+          <a:lnRef idx="2">
+            <a:schemeClr val="accent2"/>
+          </a:lnRef>
+          <a:fillRef idx="1">
+            <a:schemeClr val="lt1"/>
+          </a:fillRef>
+          <a:effectRef idx="0">
+            <a:schemeClr val="accent2"/>
+          </a:effectRef>
+          <a:fontRef idx="minor">
+            <a:schemeClr val="dk1"/>
+          </a:fontRef>
+        </p:style>
+        <p:txBody>
+          <a:bodyPr rtlCol="0" anchor="ctr"/>
+          <a:lstStyle/>
+          <a:p>
+            <a:r>
+              <a:rPr lang="ru-RU" sz="2000" b="1" dirty="0">
+                <a:effectLst>
+                  <a:outerShdw blurRad="38100" dist="38100" dir="2700000" algn="tl">
+                    <a:srgbClr val="000000">
+                      <a:alpha val="43137"/>
+                    </a:srgbClr>
+                  </a:outerShdw>
+                </a:effectLst>
+                <a:latin typeface="Times New Roman" panose="02020603050405020304" pitchFamily="18" charset="0"/>
+                <a:ea typeface="Calibri" panose="020F0502020204030204" pitchFamily="34" charset="0"/>
+              </a:rPr>
+              <a:t>Модуль ???: Бухгалтерия. –</a:t>
+            </a:r>
+          </a:p>
+          <a:p>
+            <a:r>
+              <a:rPr lang="ru-RU" sz="1400" kern="1100" dirty="0">
+                <a:effectLst/>
+                <a:latin typeface="Times New Roman" panose="02020603050405020304" pitchFamily="18" charset="0"/>
+                <a:ea typeface="Times New Roman" panose="02020603050405020304" pitchFamily="18" charset="0"/>
+              </a:rPr>
+              <a:t>	Выгрузка расчётного листка за выбранный период.</a:t>
+            </a:r>
+            <a:endParaRPr lang="ru-RU" sz="1400" dirty="0">
+              <a:effectLst/>
+              <a:latin typeface="Times New Roman" panose="02020603050405020304" pitchFamily="18" charset="0"/>
+              <a:ea typeface="Calibri" panose="020F0502020204030204" pitchFamily="34" charset="0"/>
+            </a:endParaRPr>
+          </a:p>
+        </p:txBody>
+      </p:sp>
+      <p:sp>
+        <p:nvSpPr>
+          <p:cNvPr id="9" name="Прямоугольник: скругленные углы 8">
+            <a:extLst>
+              <a:ext uri="{FF2B5EF4-FFF2-40B4-BE49-F238E27FC236}">
+                <a16:creationId xmlns:a16="http://schemas.microsoft.com/office/drawing/2014/main" id="{D427256B-AE63-401D-ADD3-E53CEB6EC94F}"/>
+              </a:ext>
+            </a:extLst>
+          </p:cNvPr>
+          <p:cNvSpPr/>
+          <p:nvPr/>
+        </p:nvSpPr>
+        <p:spPr>
+          <a:xfrm>
+            <a:off x="4037900" y="5539882"/>
+            <a:ext cx="8154100" cy="1318119"/>
+          </a:xfrm>
+          <a:prstGeom prst="roundRect">
+            <a:avLst/>
+          </a:prstGeom>
+          <a:solidFill>
+            <a:schemeClr val="bg1">
+              <a:lumMod val="85000"/>
+            </a:schemeClr>
+          </a:solidFill>
+          <a:effectLst>
+            <a:innerShdw blurRad="114300">
+              <a:prstClr val="black"/>
+            </a:innerShdw>
+          </a:effectLst>
+        </p:spPr>
+        <p:style>
+          <a:lnRef idx="2">
+            <a:schemeClr val="accent2"/>
+          </a:lnRef>
+          <a:fillRef idx="1">
+            <a:schemeClr val="lt1"/>
+          </a:fillRef>
+          <a:effectRef idx="0">
+            <a:schemeClr val="accent2"/>
+          </a:effectRef>
+          <a:fontRef idx="minor">
+            <a:schemeClr val="dk1"/>
+          </a:fontRef>
+        </p:style>
+        <p:txBody>
+          <a:bodyPr rtlCol="0" anchor="ctr"/>
+          <a:lstStyle/>
+          <a:p>
+            <a:r>
+              <a:rPr lang="ru-RU" sz="2400" b="1" dirty="0">
+                <a:effectLst>
+                  <a:outerShdw blurRad="38100" dist="38100" dir="2700000" algn="tl">
+                    <a:srgbClr val="000000">
+                      <a:alpha val="43137"/>
+                    </a:srgbClr>
+                  </a:outerShdw>
+                </a:effectLst>
+                <a:latin typeface="Times New Roman" panose="02020603050405020304" pitchFamily="18" charset="0"/>
+                <a:ea typeface="Calibri" panose="020F0502020204030204" pitchFamily="34" charset="0"/>
+              </a:rPr>
+              <a:t>Модуль ???: Служба Управления Персоналом. –</a:t>
+            </a:r>
+          </a:p>
+          <a:p>
+            <a:r>
+              <a:rPr lang="ru-RU" sz="1600" kern="1100" dirty="0">
+                <a:effectLst/>
+                <a:latin typeface="Times New Roman" panose="02020603050405020304" pitchFamily="18" charset="0"/>
+                <a:ea typeface="Times New Roman" panose="02020603050405020304" pitchFamily="18" charset="0"/>
+              </a:rPr>
+              <a:t>	Отдел кадров: вакансии на предприятии и выгрузка отпусков.</a:t>
+            </a:r>
+          </a:p>
+          <a:p>
+            <a:r>
+              <a:rPr lang="ru-RU" sz="1600" kern="1100" dirty="0">
+                <a:latin typeface="Times New Roman" panose="02020603050405020304" pitchFamily="18" charset="0"/>
+                <a:ea typeface="Calibri" panose="020F0502020204030204" pitchFamily="34" charset="0"/>
+              </a:rPr>
+              <a:t>	Отдел мотивации: подача заявок на социальные услуги.</a:t>
+            </a:r>
+          </a:p>
+          <a:p>
+            <a:r>
+              <a:rPr lang="ru-RU" sz="1600" kern="1100" dirty="0">
+                <a:effectLst/>
+                <a:latin typeface="Times New Roman" panose="02020603050405020304" pitchFamily="18" charset="0"/>
+                <a:ea typeface="Calibri" panose="020F0502020204030204" pitchFamily="34" charset="0"/>
+              </a:rPr>
+              <a:t>	Учебный Центр: открытые курсы для обучения.</a:t>
+            </a:r>
+            <a:endParaRPr lang="ru-RU" sz="1600" dirty="0">
+              <a:effectLst/>
+              <a:latin typeface="Times New Roman" panose="02020603050405020304" pitchFamily="18" charset="0"/>
+              <a:ea typeface="Calibri" panose="020F0502020204030204" pitchFamily="34" charset="0"/>
+            </a:endParaRPr>
+          </a:p>
+        </p:txBody>
+      </p:sp>
+    </p:spTree>
+    <p:extLst>
+      <p:ext uri="{BB962C8B-B14F-4D97-AF65-F5344CB8AC3E}">
+        <p14:creationId xmlns:p14="http://schemas.microsoft.com/office/powerpoint/2010/main" val="1406224688"/>
+      </p:ext>
+    </p:extLst>
+  </p:cSld>
+  <p:clrMapOvr>
+    <a:masterClrMapping/>
+  </p:clrMapOvr>
+</p:sld>
+</file>
+
+<file path=ppt/slides/slide7.xml><?xml version="1.0" encoding="utf-8"?>
 <p:sld xmlns:a="http://schemas.openxmlformats.org/drawingml/2006/main" xmlns:r="http://schemas.openxmlformats.org/officeDocument/2006/relationships" xmlns:p="http://schemas.openxmlformats.org/presentationml/2006/main">
   <p:cSld>
     <p:bg>
@@ -10597,7 +12961,7 @@
 </p:sld>
 </file>
 
-<file path=ppt/slides/slide7.xml><?xml version="1.0" encoding="utf-8"?>
+<file path=ppt/slides/slide8.xml><?xml version="1.0" encoding="utf-8"?>
 <p:sld xmlns:a="http://schemas.openxmlformats.org/drawingml/2006/main" xmlns:r="http://schemas.openxmlformats.org/officeDocument/2006/relationships" xmlns:p="http://schemas.openxmlformats.org/presentationml/2006/main">
   <p:cSld>
     <p:bg>
@@ -10785,7 +13149,7 @@
 </p:sld>
 </file>
 
-<file path=ppt/slides/slide8.xml><?xml version="1.0" encoding="utf-8"?>
+<file path=ppt/slides/slide9.xml><?xml version="1.0" encoding="utf-8"?>
 <p:sld xmlns:a="http://schemas.openxmlformats.org/drawingml/2006/main" xmlns:r="http://schemas.openxmlformats.org/officeDocument/2006/relationships" xmlns:p="http://schemas.openxmlformats.org/presentationml/2006/main">
   <p:cSld>
     <p:bg>
@@ -12814,439 +15178,6 @@
     <p:extLst>
       <p:ext uri="{BB962C8B-B14F-4D97-AF65-F5344CB8AC3E}">
         <p14:creationId xmlns:p14="http://schemas.microsoft.com/office/powerpoint/2010/main" val="2931984787"/>
-      </p:ext>
-    </p:extLst>
-  </p:cSld>
-  <p:clrMapOvr>
-    <a:masterClrMapping/>
-  </p:clrMapOvr>
-</p:sld>
-</file>
-
-<file path=ppt/slides/slide9.xml><?xml version="1.0" encoding="utf-8"?>
-<p:sld xmlns:a="http://schemas.openxmlformats.org/drawingml/2006/main" xmlns:r="http://schemas.openxmlformats.org/officeDocument/2006/relationships" xmlns:p="http://schemas.openxmlformats.org/presentationml/2006/main">
-  <p:cSld>
-    <p:bg>
-      <p:bgPr>
-        <a:solidFill>
-          <a:schemeClr val="accent2">
-            <a:lumMod val="60000"/>
-            <a:lumOff val="40000"/>
-          </a:schemeClr>
-        </a:solidFill>
-        <a:effectLst/>
-      </p:bgPr>
-    </p:bg>
-    <p:spTree>
-      <p:nvGrpSpPr>
-        <p:cNvPr id="1" name=""/>
-        <p:cNvGrpSpPr/>
-        <p:nvPr/>
-      </p:nvGrpSpPr>
-      <p:grpSpPr>
-        <a:xfrm>
-          <a:off x="0" y="0"/>
-          <a:ext cx="0" cy="0"/>
-          <a:chOff x="0" y="0"/>
-          <a:chExt cx="0" cy="0"/>
-        </a:xfrm>
-      </p:grpSpPr>
-      <p:sp>
-        <p:nvSpPr>
-          <p:cNvPr id="3" name="Прямоугольник: загнутый угол 2">
-            <a:extLst>
-              <a:ext uri="{FF2B5EF4-FFF2-40B4-BE49-F238E27FC236}">
-                <a16:creationId xmlns:a16="http://schemas.microsoft.com/office/drawing/2014/main" id="{8C77E882-0D7A-40AC-AF45-494A222A425F}"/>
-              </a:ext>
-            </a:extLst>
-          </p:cNvPr>
-          <p:cNvSpPr/>
-          <p:nvPr/>
-        </p:nvSpPr>
-        <p:spPr>
-          <a:xfrm>
-            <a:off x="2676088" y="134223"/>
-            <a:ext cx="5662569" cy="1224793"/>
-          </a:xfrm>
-          <a:prstGeom prst="foldedCorner">
-            <a:avLst/>
-          </a:prstGeom>
-        </p:spPr>
-        <p:style>
-          <a:lnRef idx="1">
-            <a:schemeClr val="accent2"/>
-          </a:lnRef>
-          <a:fillRef idx="2">
-            <a:schemeClr val="accent2"/>
-          </a:fillRef>
-          <a:effectRef idx="1">
-            <a:schemeClr val="accent2"/>
-          </a:effectRef>
-          <a:fontRef idx="minor">
-            <a:schemeClr val="dk1"/>
-          </a:fontRef>
-        </p:style>
-        <p:txBody>
-          <a:bodyPr rtlCol="0" anchor="ctr"/>
-          <a:lstStyle/>
-          <a:p>
-            <a:pPr algn="ctr"/>
-            <a:r>
-              <a:rPr lang="ru-RU" sz="2800" b="1" kern="1100" dirty="0">
-                <a:effectLst>
-                  <a:outerShdw blurRad="38100" dist="38100" dir="2700000" algn="tl">
-                    <a:srgbClr val="000000">
-                      <a:alpha val="43137"/>
-                    </a:srgbClr>
-                  </a:outerShdw>
-                </a:effectLst>
-                <a:latin typeface="Times New Roman" panose="02020603050405020304" pitchFamily="18" charset="0"/>
-                <a:ea typeface="Times New Roman" panose="02020603050405020304" pitchFamily="18" charset="0"/>
-              </a:rPr>
-              <a:t>Параметры выполнения проекта</a:t>
-            </a:r>
-            <a:r>
-              <a:rPr lang="en-US" sz="2800" b="1" kern="1100" dirty="0">
-                <a:effectLst>
-                  <a:outerShdw blurRad="38100" dist="38100" dir="2700000" algn="tl">
-                    <a:srgbClr val="000000">
-                      <a:alpha val="43137"/>
-                    </a:srgbClr>
-                  </a:outerShdw>
-                </a:effectLst>
-                <a:latin typeface="Times New Roman" panose="02020603050405020304" pitchFamily="18" charset="0"/>
-                <a:ea typeface="Times New Roman" panose="02020603050405020304" pitchFamily="18" charset="0"/>
-              </a:rPr>
-              <a:t>:</a:t>
-            </a:r>
-            <a:endParaRPr lang="ru-RU" sz="2800" dirty="0">
-              <a:effectLst>
-                <a:outerShdw blurRad="38100" dist="38100" dir="2700000" algn="tl">
-                  <a:srgbClr val="000000">
-                    <a:alpha val="43137"/>
-                  </a:srgbClr>
-                </a:outerShdw>
-              </a:effectLst>
-            </a:endParaRPr>
-          </a:p>
-        </p:txBody>
-      </p:sp>
-      <p:graphicFrame>
-        <p:nvGraphicFramePr>
-          <p:cNvPr id="4" name="Таблица 3">
-            <a:extLst>
-              <a:ext uri="{FF2B5EF4-FFF2-40B4-BE49-F238E27FC236}">
-                <a16:creationId xmlns:a16="http://schemas.microsoft.com/office/drawing/2014/main" id="{7E1FB848-B49A-4B8F-B4EA-367E31D2ECE3}"/>
-              </a:ext>
-            </a:extLst>
-          </p:cNvPr>
-          <p:cNvGraphicFramePr>
-            <a:graphicFrameLocks noGrp="1"/>
-          </p:cNvGraphicFramePr>
-          <p:nvPr>
-            <p:extLst>
-              <p:ext uri="{D42A27DB-BD31-4B8C-83A1-F6EECF244321}">
-                <p14:modId xmlns:p14="http://schemas.microsoft.com/office/powerpoint/2010/main" val="690107687"/>
-              </p:ext>
-            </p:extLst>
-          </p:nvPr>
-        </p:nvGraphicFramePr>
-        <p:xfrm>
-          <a:off x="645951" y="1661020"/>
-          <a:ext cx="9253057" cy="2475726"/>
-        </p:xfrm>
-        <a:graphic>
-          <a:graphicData uri="http://schemas.openxmlformats.org/drawingml/2006/table">
-            <a:tbl>
-              <a:tblPr firstRow="1" firstCol="1" bandRow="1">
-                <a:tableStyleId>{74C1A8A3-306A-4EB7-A6B1-4F7E0EB9C5D6}</a:tableStyleId>
-              </a:tblPr>
-              <a:tblGrid>
-                <a:gridCol w="510033">
-                  <a:extLst>
-                    <a:ext uri="{9D8B030D-6E8A-4147-A177-3AD203B41FA5}">
-                      <a16:colId xmlns:a16="http://schemas.microsoft.com/office/drawing/2014/main" val="2769314563"/>
-                    </a:ext>
-                  </a:extLst>
-                </a:gridCol>
-                <a:gridCol w="4120691">
-                  <a:extLst>
-                    <a:ext uri="{9D8B030D-6E8A-4147-A177-3AD203B41FA5}">
-                      <a16:colId xmlns:a16="http://schemas.microsoft.com/office/drawing/2014/main" val="3655918092"/>
-                    </a:ext>
-                  </a:extLst>
-                </a:gridCol>
-                <a:gridCol w="4622333">
-                  <a:extLst>
-                    <a:ext uri="{9D8B030D-6E8A-4147-A177-3AD203B41FA5}">
-                      <a16:colId xmlns:a16="http://schemas.microsoft.com/office/drawing/2014/main" val="2422768876"/>
-                    </a:ext>
-                  </a:extLst>
-                </a:gridCol>
-              </a:tblGrid>
-              <a:tr h="381537">
-                <a:tc>
-                  <a:txBody>
-                    <a:bodyPr/>
-                    <a:lstStyle/>
-                    <a:p>
-                      <a:pPr>
-                        <a:spcAft>
-                          <a:spcPts val="0"/>
-                        </a:spcAft>
-                      </a:pPr>
-                      <a:r>
-                        <a:rPr lang="ru-RU" sz="2400" kern="1100" dirty="0">
-                          <a:effectLst/>
-                        </a:rPr>
-                        <a:t>№</a:t>
-                      </a:r>
-                      <a:endParaRPr lang="ru-RU" sz="2000" kern="1100" dirty="0">
-                        <a:effectLst/>
-                        <a:latin typeface="Arial Narrow" panose="020B0606020202030204" pitchFamily="34" charset="0"/>
-                        <a:ea typeface="Times New Roman" panose="02020603050405020304" pitchFamily="18" charset="0"/>
-                        <a:cs typeface="Times New Roman" panose="02020603050405020304" pitchFamily="18" charset="0"/>
-                      </a:endParaRPr>
-                    </a:p>
-                  </a:txBody>
-                  <a:tcPr marL="68580" marR="68580" marT="0" marB="0"/>
-                </a:tc>
-                <a:tc>
-                  <a:txBody>
-                    <a:bodyPr/>
-                    <a:lstStyle/>
-                    <a:p>
-                      <a:pPr>
-                        <a:spcAft>
-                          <a:spcPts val="0"/>
-                        </a:spcAft>
-                      </a:pPr>
-                      <a:r>
-                        <a:rPr lang="ru-RU" sz="2400" kern="1100" dirty="0">
-                          <a:effectLst/>
-                        </a:rPr>
-                        <a:t>Показатель</a:t>
-                      </a:r>
-                      <a:endParaRPr lang="ru-RU" sz="2000" kern="1100" dirty="0">
-                        <a:effectLst/>
-                        <a:latin typeface="Arial Narrow" panose="020B0606020202030204" pitchFamily="34" charset="0"/>
-                        <a:ea typeface="Times New Roman" panose="02020603050405020304" pitchFamily="18" charset="0"/>
-                        <a:cs typeface="Times New Roman" panose="02020603050405020304" pitchFamily="18" charset="0"/>
-                      </a:endParaRPr>
-                    </a:p>
-                  </a:txBody>
-                  <a:tcPr marL="68580" marR="68580" marT="0" marB="0"/>
-                </a:tc>
-                <a:tc>
-                  <a:txBody>
-                    <a:bodyPr/>
-                    <a:lstStyle/>
-                    <a:p>
-                      <a:pPr>
-                        <a:spcAft>
-                          <a:spcPts val="0"/>
-                        </a:spcAft>
-                      </a:pPr>
-                      <a:r>
-                        <a:rPr lang="ru-RU" sz="2400" kern="1100" dirty="0">
-                          <a:effectLst/>
-                        </a:rPr>
-                        <a:t>Значение</a:t>
-                      </a:r>
-                      <a:endParaRPr lang="ru-RU" sz="2000" kern="1100" dirty="0">
-                        <a:effectLst/>
-                        <a:latin typeface="Arial Narrow" panose="020B0606020202030204" pitchFamily="34" charset="0"/>
-                        <a:ea typeface="Times New Roman" panose="02020603050405020304" pitchFamily="18" charset="0"/>
-                        <a:cs typeface="Times New Roman" panose="02020603050405020304" pitchFamily="18" charset="0"/>
-                      </a:endParaRPr>
-                    </a:p>
-                  </a:txBody>
-                  <a:tcPr marL="68580" marR="68580" marT="0" marB="0"/>
-                </a:tc>
-                <a:extLst>
-                  <a:ext uri="{0D108BD9-81ED-4DB2-BD59-A6C34878D82A}">
-                    <a16:rowId xmlns:a16="http://schemas.microsoft.com/office/drawing/2014/main" val="927040273"/>
-                  </a:ext>
-                </a:extLst>
-              </a:tr>
-              <a:tr h="1673766">
-                <a:tc>
-                  <a:txBody>
-                    <a:bodyPr/>
-                    <a:lstStyle/>
-                    <a:p>
-                      <a:pPr>
-                        <a:spcAft>
-                          <a:spcPts val="0"/>
-                        </a:spcAft>
-                      </a:pPr>
-                      <a:r>
-                        <a:rPr lang="ru-RU" sz="2400" kern="1100">
-                          <a:effectLst/>
-                        </a:rPr>
-                        <a:t>1</a:t>
-                      </a:r>
-                      <a:endParaRPr lang="ru-RU" sz="2000" kern="1100">
-                        <a:effectLst/>
-                        <a:latin typeface="Arial Narrow" panose="020B0606020202030204" pitchFamily="34" charset="0"/>
-                        <a:ea typeface="Times New Roman" panose="02020603050405020304" pitchFamily="18" charset="0"/>
-                        <a:cs typeface="Times New Roman" panose="02020603050405020304" pitchFamily="18" charset="0"/>
-                      </a:endParaRPr>
-                    </a:p>
-                  </a:txBody>
-                  <a:tcPr marL="68580" marR="68580" marT="0" marB="0"/>
-                </a:tc>
-                <a:tc>
-                  <a:txBody>
-                    <a:bodyPr/>
-                    <a:lstStyle/>
-                    <a:p>
-                      <a:pPr>
-                        <a:spcAft>
-                          <a:spcPts val="0"/>
-                        </a:spcAft>
-                      </a:pPr>
-                      <a:r>
-                        <a:rPr lang="ru-RU" sz="2400" kern="1100" dirty="0">
-                          <a:effectLst/>
-                        </a:rPr>
-                        <a:t>Веб-платформа, введённая в эксплуатацию</a:t>
-                      </a:r>
-                      <a:endParaRPr lang="ru-RU" sz="2000" kern="1100" dirty="0">
-                        <a:effectLst/>
-                        <a:latin typeface="Arial Narrow" panose="020B0606020202030204" pitchFamily="34" charset="0"/>
-                        <a:ea typeface="Times New Roman" panose="02020603050405020304" pitchFamily="18" charset="0"/>
-                        <a:cs typeface="Times New Roman" panose="02020603050405020304" pitchFamily="18" charset="0"/>
-                      </a:endParaRPr>
-                    </a:p>
-                  </a:txBody>
-                  <a:tcPr marL="68580" marR="68580" marT="0" marB="0"/>
-                </a:tc>
-                <a:tc>
-                  <a:txBody>
-                    <a:bodyPr/>
-                    <a:lstStyle/>
-                    <a:p>
-                      <a:pPr>
-                        <a:spcAft>
-                          <a:spcPts val="0"/>
-                        </a:spcAft>
-                      </a:pPr>
-                      <a:r>
-                        <a:rPr lang="ru-RU" sz="2400" kern="1100" dirty="0">
-                          <a:effectLst/>
-                        </a:rPr>
-                        <a:t>Опубликованный веб-сайт, работающий согласно требованиям</a:t>
-                      </a:r>
-                      <a:endParaRPr lang="ru-RU" sz="2000" kern="1100" dirty="0">
-                        <a:effectLst/>
-                        <a:latin typeface="Arial Narrow" panose="020B0606020202030204" pitchFamily="34" charset="0"/>
-                        <a:ea typeface="Times New Roman" panose="02020603050405020304" pitchFamily="18" charset="0"/>
-                        <a:cs typeface="Times New Roman" panose="02020603050405020304" pitchFamily="18" charset="0"/>
-                      </a:endParaRPr>
-                    </a:p>
-                  </a:txBody>
-                  <a:tcPr marL="68580" marR="68580" marT="0" marB="0"/>
-                </a:tc>
-                <a:extLst>
-                  <a:ext uri="{0D108BD9-81ED-4DB2-BD59-A6C34878D82A}">
-                    <a16:rowId xmlns:a16="http://schemas.microsoft.com/office/drawing/2014/main" val="733783288"/>
-                  </a:ext>
-                </a:extLst>
-              </a:tr>
-              <a:tr h="420423">
-                <a:tc>
-                  <a:txBody>
-                    <a:bodyPr/>
-                    <a:lstStyle/>
-                    <a:p>
-                      <a:pPr>
-                        <a:spcAft>
-                          <a:spcPts val="0"/>
-                        </a:spcAft>
-                      </a:pPr>
-                      <a:r>
-                        <a:rPr lang="ru-RU" sz="2400" kern="1100">
-                          <a:effectLst/>
-                        </a:rPr>
-                        <a:t>2</a:t>
-                      </a:r>
-                      <a:endParaRPr lang="ru-RU" sz="2000" kern="1100">
-                        <a:effectLst/>
-                        <a:latin typeface="Arial Narrow" panose="020B0606020202030204" pitchFamily="34" charset="0"/>
-                        <a:ea typeface="Times New Roman" panose="02020603050405020304" pitchFamily="18" charset="0"/>
-                        <a:cs typeface="Times New Roman" panose="02020603050405020304" pitchFamily="18" charset="0"/>
-                      </a:endParaRPr>
-                    </a:p>
-                  </a:txBody>
-                  <a:tcPr marL="68580" marR="68580" marT="0" marB="0"/>
-                </a:tc>
-                <a:tc>
-                  <a:txBody>
-                    <a:bodyPr/>
-                    <a:lstStyle/>
-                    <a:p>
-                      <a:pPr>
-                        <a:spcAft>
-                          <a:spcPts val="0"/>
-                        </a:spcAft>
-                      </a:pPr>
-                      <a:r>
-                        <a:rPr lang="ru-RU" sz="2400" kern="1100">
-                          <a:effectLst/>
-                        </a:rPr>
-                        <a:t>Информационные результаты</a:t>
-                      </a:r>
-                      <a:endParaRPr lang="ru-RU" sz="2000" kern="1100">
-                        <a:effectLst/>
-                        <a:latin typeface="Arial Narrow" panose="020B0606020202030204" pitchFamily="34" charset="0"/>
-                        <a:ea typeface="Times New Roman" panose="02020603050405020304" pitchFamily="18" charset="0"/>
-                        <a:cs typeface="Times New Roman" panose="02020603050405020304" pitchFamily="18" charset="0"/>
-                      </a:endParaRPr>
-                    </a:p>
-                  </a:txBody>
-                  <a:tcPr marL="68580" marR="68580" marT="0" marB="0"/>
-                </a:tc>
-                <a:tc>
-                  <a:txBody>
-                    <a:bodyPr/>
-                    <a:lstStyle/>
-                    <a:p>
-                      <a:pPr>
-                        <a:spcAft>
-                          <a:spcPts val="0"/>
-                        </a:spcAft>
-                      </a:pPr>
-                      <a:r>
-                        <a:rPr lang="ru-RU" sz="2400" kern="1100" dirty="0">
-                          <a:effectLst/>
-                        </a:rPr>
-                        <a:t>Итоговый отчет</a:t>
-                      </a:r>
-                      <a:endParaRPr lang="ru-RU" sz="2000" kern="1100" dirty="0">
-                        <a:effectLst/>
-                        <a:latin typeface="Arial Narrow" panose="020B0606020202030204" pitchFamily="34" charset="0"/>
-                        <a:ea typeface="Times New Roman" panose="02020603050405020304" pitchFamily="18" charset="0"/>
-                        <a:cs typeface="Times New Roman" panose="02020603050405020304" pitchFamily="18" charset="0"/>
-                      </a:endParaRPr>
-                    </a:p>
-                  </a:txBody>
-                  <a:tcPr marL="68580" marR="68580" marT="0" marB="0"/>
-                </a:tc>
-                <a:extLst>
-                  <a:ext uri="{0D108BD9-81ED-4DB2-BD59-A6C34878D82A}">
-                    <a16:rowId xmlns:a16="http://schemas.microsoft.com/office/drawing/2014/main" val="984679845"/>
-                  </a:ext>
-                </a:extLst>
-              </a:tr>
-            </a:tbl>
-          </a:graphicData>
-        </a:graphic>
-      </p:graphicFrame>
-    </p:spTree>
-    <p:extLst>
-      <p:ext uri="{BB962C8B-B14F-4D97-AF65-F5344CB8AC3E}">
-        <p14:creationId xmlns:p14="http://schemas.microsoft.com/office/powerpoint/2010/main" val="1483413079"/>
       </p:ext>
     </p:extLst>
   </p:cSld>

--- a/DOCS/Веб-платформа управления изменениями/Web-platform.pptx
+++ b/DOCS/Веб-платформа управления изменениями/Web-platform.pptx
@@ -292,7 +292,7 @@
           <a:p>
             <a:fld id="{3A27FCA8-1CBD-4994-97A4-64996EE40327}" type="datetimeFigureOut">
               <a:rPr lang="ru-RU" smtClean="0"/>
-              <a:t>пн 16.08.21</a:t>
+              <a:t>вт 17.08.21</a:t>
             </a:fld>
             <a:endParaRPr lang="ru-RU" dirty="0"/>
           </a:p>
@@ -607,7 +607,7 @@
           <a:p>
             <a:fld id="{3A27FCA8-1CBD-4994-97A4-64996EE40327}" type="datetimeFigureOut">
               <a:rPr lang="ru-RU" smtClean="0"/>
-              <a:t>пн 16.08.21</a:t>
+              <a:t>вт 17.08.21</a:t>
             </a:fld>
             <a:endParaRPr lang="ru-RU" dirty="0"/>
           </a:p>
@@ -829,7 +829,7 @@
           <a:p>
             <a:fld id="{3A27FCA8-1CBD-4994-97A4-64996EE40327}" type="datetimeFigureOut">
               <a:rPr lang="ru-RU" smtClean="0"/>
-              <a:t>пн 16.08.21</a:t>
+              <a:t>вт 17.08.21</a:t>
             </a:fld>
             <a:endParaRPr lang="ru-RU" dirty="0"/>
           </a:p>
@@ -1120,7 +1120,7 @@
           <a:p>
             <a:fld id="{3A27FCA8-1CBD-4994-97A4-64996EE40327}" type="datetimeFigureOut">
               <a:rPr lang="ru-RU" smtClean="0"/>
-              <a:t>пн 16.08.21</a:t>
+              <a:t>вт 17.08.21</a:t>
             </a:fld>
             <a:endParaRPr lang="ru-RU" dirty="0"/>
           </a:p>
@@ -1574,7 +1574,7 @@
           <a:p>
             <a:fld id="{3A27FCA8-1CBD-4994-97A4-64996EE40327}" type="datetimeFigureOut">
               <a:rPr lang="ru-RU" smtClean="0"/>
-              <a:t>пн 16.08.21</a:t>
+              <a:t>вт 17.08.21</a:t>
             </a:fld>
             <a:endParaRPr lang="ru-RU" dirty="0"/>
           </a:p>
@@ -2150,7 +2150,7 @@
           <a:p>
             <a:fld id="{3A27FCA8-1CBD-4994-97A4-64996EE40327}" type="datetimeFigureOut">
               <a:rPr lang="ru-RU" smtClean="0"/>
-              <a:t>пн 16.08.21</a:t>
+              <a:t>вт 17.08.21</a:t>
             </a:fld>
             <a:endParaRPr lang="ru-RU" dirty="0"/>
           </a:p>
@@ -3011,7 +3011,7 @@
           <a:p>
             <a:fld id="{3A27FCA8-1CBD-4994-97A4-64996EE40327}" type="datetimeFigureOut">
               <a:rPr lang="ru-RU" smtClean="0"/>
-              <a:t>пн 16.08.21</a:t>
+              <a:t>вт 17.08.21</a:t>
             </a:fld>
             <a:endParaRPr lang="ru-RU" dirty="0"/>
           </a:p>
@@ -3216,7 +3216,7 @@
           <a:p>
             <a:fld id="{3A27FCA8-1CBD-4994-97A4-64996EE40327}" type="datetimeFigureOut">
               <a:rPr lang="ru-RU" smtClean="0"/>
-              <a:t>пн 16.08.21</a:t>
+              <a:t>вт 17.08.21</a:t>
             </a:fld>
             <a:endParaRPr lang="ru-RU" dirty="0"/>
           </a:p>
@@ -3430,7 +3430,7 @@
           <a:p>
             <a:fld id="{3A27FCA8-1CBD-4994-97A4-64996EE40327}" type="datetimeFigureOut">
               <a:rPr lang="ru-RU" smtClean="0"/>
-              <a:t>пн 16.08.21</a:t>
+              <a:t>вт 17.08.21</a:t>
             </a:fld>
             <a:endParaRPr lang="ru-RU" dirty="0"/>
           </a:p>
@@ -3600,7 +3600,7 @@
           <a:p>
             <a:fld id="{3A27FCA8-1CBD-4994-97A4-64996EE40327}" type="datetimeFigureOut">
               <a:rPr lang="ru-RU" smtClean="0"/>
-              <a:t>пн 16.08.21</a:t>
+              <a:t>вт 17.08.21</a:t>
             </a:fld>
             <a:endParaRPr lang="ru-RU" dirty="0"/>
           </a:p>
@@ -3805,7 +3805,7 @@
           <a:p>
             <a:fld id="{3A27FCA8-1CBD-4994-97A4-64996EE40327}" type="datetimeFigureOut">
               <a:rPr lang="ru-RU" smtClean="0"/>
-              <a:t>пн 16.08.21</a:t>
+              <a:t>вт 17.08.21</a:t>
             </a:fld>
             <a:endParaRPr lang="ru-RU" dirty="0"/>
           </a:p>
@@ -4085,7 +4085,7 @@
           <a:p>
             <a:fld id="{3A27FCA8-1CBD-4994-97A4-64996EE40327}" type="datetimeFigureOut">
               <a:rPr lang="ru-RU" smtClean="0"/>
-              <a:t>пн 16.08.21</a:t>
+              <a:t>вт 17.08.21</a:t>
             </a:fld>
             <a:endParaRPr lang="ru-RU" dirty="0"/>
           </a:p>
@@ -4352,7 +4352,7 @@
           <a:p>
             <a:fld id="{3A27FCA8-1CBD-4994-97A4-64996EE40327}" type="datetimeFigureOut">
               <a:rPr lang="ru-RU" smtClean="0"/>
-              <a:t>пн 16.08.21</a:t>
+              <a:t>вт 17.08.21</a:t>
             </a:fld>
             <a:endParaRPr lang="ru-RU" dirty="0"/>
           </a:p>
@@ -4767,7 +4767,7 @@
           <a:p>
             <a:fld id="{3A27FCA8-1CBD-4994-97A4-64996EE40327}" type="datetimeFigureOut">
               <a:rPr lang="ru-RU" smtClean="0"/>
-              <a:t>пн 16.08.21</a:t>
+              <a:t>вт 17.08.21</a:t>
             </a:fld>
             <a:endParaRPr lang="ru-RU" dirty="0"/>
           </a:p>
@@ -4915,7 +4915,7 @@
           <a:p>
             <a:fld id="{3A27FCA8-1CBD-4994-97A4-64996EE40327}" type="datetimeFigureOut">
               <a:rPr lang="ru-RU" smtClean="0"/>
-              <a:t>пн 16.08.21</a:t>
+              <a:t>вт 17.08.21</a:t>
             </a:fld>
             <a:endParaRPr lang="ru-RU" dirty="0"/>
           </a:p>
@@ -5040,7 +5040,7 @@
           <a:p>
             <a:fld id="{3A27FCA8-1CBD-4994-97A4-64996EE40327}" type="datetimeFigureOut">
               <a:rPr lang="ru-RU" smtClean="0"/>
-              <a:t>пн 16.08.21</a:t>
+              <a:t>вт 17.08.21</a:t>
             </a:fld>
             <a:endParaRPr lang="ru-RU" dirty="0"/>
           </a:p>
@@ -5319,7 +5319,7 @@
           <a:p>
             <a:fld id="{3A27FCA8-1CBD-4994-97A4-64996EE40327}" type="datetimeFigureOut">
               <a:rPr lang="ru-RU" smtClean="0"/>
-              <a:t>пн 16.08.21</a:t>
+              <a:t>вт 17.08.21</a:t>
             </a:fld>
             <a:endParaRPr lang="ru-RU" dirty="0"/>
           </a:p>
@@ -5634,7 +5634,7 @@
           <a:p>
             <a:fld id="{3A27FCA8-1CBD-4994-97A4-64996EE40327}" type="datetimeFigureOut">
               <a:rPr lang="ru-RU" smtClean="0"/>
-              <a:t>пн 16.08.21</a:t>
+              <a:t>вт 17.08.21</a:t>
             </a:fld>
             <a:endParaRPr lang="ru-RU" dirty="0"/>
           </a:p>
@@ -5887,7 +5887,7 @@
           <a:p>
             <a:fld id="{3A27FCA8-1CBD-4994-97A4-64996EE40327}" type="datetimeFigureOut">
               <a:rPr lang="ru-RU" smtClean="0"/>
-              <a:t>пн 16.08.21</a:t>
+              <a:t>вт 17.08.21</a:t>
             </a:fld>
             <a:endParaRPr lang="ru-RU" dirty="0"/>
           </a:p>
@@ -9467,6 +9467,12 @@
               </a:rPr>
               <a:t>Отсутствие функциональной обратной связи по проектам</a:t>
             </a:r>
+            <a:endParaRPr lang="en-US" sz="1600" kern="1100" dirty="0">
+              <a:effectLst/>
+              <a:latin typeface="Times New Roman" panose="02020603050405020304" pitchFamily="18" charset="0"/>
+              <a:ea typeface="MS Mincho" panose="02020609040205080304" pitchFamily="49" charset="-128"/>
+              <a:cs typeface="Times New Roman" panose="02020603050405020304" pitchFamily="18" charset="0"/>
+            </a:endParaRPr>
           </a:p>
           <a:p>
             <a:pPr>
@@ -9481,7 +9487,7 @@
                 <a:ea typeface="MS Mincho" panose="02020609040205080304" pitchFamily="49" charset="-128"/>
                 <a:cs typeface="Times New Roman" panose="02020603050405020304" pitchFamily="18" charset="0"/>
               </a:rPr>
-              <a:t>невозможность получения информации по рейтингам. </a:t>
+              <a:t>нет примеров и шаблонов удачных внедрённых предложений.</a:t>
             </a:r>
           </a:p>
           <a:p>
@@ -9497,8 +9503,15 @@
                 <a:ea typeface="MS Mincho" panose="02020609040205080304" pitchFamily="49" charset="-128"/>
                 <a:cs typeface="Times New Roman" panose="02020603050405020304" pitchFamily="18" charset="0"/>
               </a:rPr>
-              <a:t>нет примеров и шаблонов чужих удачных внедрённых предложений.</a:t>
-            </a:r>
+              <a:t>невозможность получения информации по рейтингам.</a:t>
+            </a:r>
+          </a:p>
+          <a:p>
+            <a:pPr>
+              <a:spcAft>
+                <a:spcPts val="0"/>
+              </a:spcAft>
+            </a:pPr>
             <a:endParaRPr lang="ru-RU" sz="1800" dirty="0"/>
           </a:p>
         </p:txBody>
@@ -9918,23 +9931,11 @@
               </a:rPr>
               <a:t>й системы.</a:t>
             </a:r>
-            <a:r>
-              <a:rPr lang="ru-RU" sz="1800" kern="1100" dirty="0">
-                <a:effectLst/>
-                <a:latin typeface="Arial Narrow" panose="020B0606020202030204" pitchFamily="34" charset="0"/>
-                <a:ea typeface="Times New Roman" panose="02020603050405020304" pitchFamily="18" charset="0"/>
-                <a:cs typeface="Times New Roman" panose="02020603050405020304" pitchFamily="18" charset="0"/>
-              </a:rPr>
-              <a:t> </a:t>
-            </a:r>
-            <a:r>
-              <a:rPr lang="ru-RU" dirty="0">
-                <a:effectLst/>
-                <a:latin typeface="Times New Roman" panose="02020603050405020304" pitchFamily="18" charset="0"/>
-                <a:ea typeface="Calibri" panose="020F0502020204030204" pitchFamily="34" charset="0"/>
-              </a:rPr>
-              <a:t>Ведение графика % схода по каждому грохоту каждые 3-10 секунд, в зависимости от необходимости.</a:t>
-            </a:r>
+            <a:endParaRPr lang="ru-RU" dirty="0">
+              <a:effectLst/>
+              <a:latin typeface="Times New Roman" panose="02020603050405020304" pitchFamily="18" charset="0"/>
+              <a:ea typeface="Calibri" panose="020F0502020204030204" pitchFamily="34" charset="0"/>
+            </a:endParaRPr>
           </a:p>
         </p:txBody>
       </p:sp>
